--- a/doc/集训展示.pptx
+++ b/doc/集训展示.pptx
@@ -14,36 +14,38 @@
     <p:sldId id="258" r:id="rId7"/>
     <p:sldId id="262" r:id="rId8"/>
     <p:sldId id="263" r:id="rId9"/>
-    <p:sldId id="264" r:id="rId10"/>
-    <p:sldId id="265" r:id="rId11"/>
-    <p:sldId id="266" r:id="rId12"/>
-    <p:sldId id="260" r:id="rId13"/>
-    <p:sldId id="277" r:id="rId14"/>
-    <p:sldId id="270" r:id="rId15"/>
-    <p:sldId id="276" r:id="rId16"/>
-    <p:sldId id="261" r:id="rId17"/>
-    <p:sldId id="285" r:id="rId18"/>
-    <p:sldId id="286" r:id="rId19"/>
-    <p:sldId id="308" r:id="rId20"/>
-    <p:sldId id="291" r:id="rId21"/>
-    <p:sldId id="288" r:id="rId22"/>
-    <p:sldId id="292" r:id="rId23"/>
-    <p:sldId id="294" r:id="rId24"/>
-    <p:sldId id="296" r:id="rId25"/>
-    <p:sldId id="297" r:id="rId26"/>
-    <p:sldId id="295" r:id="rId27"/>
-    <p:sldId id="301" r:id="rId28"/>
-    <p:sldId id="289" r:id="rId29"/>
-    <p:sldId id="290" r:id="rId30"/>
-    <p:sldId id="298" r:id="rId31"/>
-    <p:sldId id="299" r:id="rId32"/>
-    <p:sldId id="300" r:id="rId33"/>
-    <p:sldId id="259" r:id="rId34"/>
+    <p:sldId id="325" r:id="rId10"/>
+    <p:sldId id="264" r:id="rId11"/>
+    <p:sldId id="265" r:id="rId12"/>
+    <p:sldId id="266" r:id="rId13"/>
+    <p:sldId id="260" r:id="rId14"/>
+    <p:sldId id="277" r:id="rId15"/>
+    <p:sldId id="270" r:id="rId16"/>
+    <p:sldId id="276" r:id="rId17"/>
+    <p:sldId id="261" r:id="rId18"/>
+    <p:sldId id="285" r:id="rId19"/>
+    <p:sldId id="286" r:id="rId20"/>
+    <p:sldId id="323" r:id="rId21"/>
+    <p:sldId id="308" r:id="rId22"/>
+    <p:sldId id="291" r:id="rId23"/>
+    <p:sldId id="288" r:id="rId24"/>
+    <p:sldId id="292" r:id="rId25"/>
+    <p:sldId id="294" r:id="rId26"/>
+    <p:sldId id="296" r:id="rId27"/>
+    <p:sldId id="297" r:id="rId28"/>
+    <p:sldId id="295" r:id="rId29"/>
+    <p:sldId id="301" r:id="rId30"/>
+    <p:sldId id="289" r:id="rId31"/>
+    <p:sldId id="290" r:id="rId32"/>
+    <p:sldId id="298" r:id="rId33"/>
+    <p:sldId id="299" r:id="rId34"/>
+    <p:sldId id="300" r:id="rId35"/>
+    <p:sldId id="259" r:id="rId36"/>
   </p:sldIdLst>
   <p:sldSz cx="12192000" cy="6858000"/>
   <p:notesSz cx="6858000" cy="9144000"/>
   <p:custDataLst>
-    <p:tags r:id="rId38"/>
+    <p:tags r:id="rId40"/>
   </p:custDataLst>
   <p:defaultTextStyle>
     <a:defPPr>
@@ -11820,7 +11822,11 @@
           <a:p>
             <a:r>
               <a:rPr lang="zh-CN" altLang="en-US" sz="1800"/>
-              <a:t>——基于区块链的预制菜生产检测和溯源系统</a:t>
+              <a:t>——基于区块链的预制菜生产</a:t>
+            </a:r>
+            <a:r>
+              <a:rPr lang="zh-CN" altLang="en-US" sz="1800"/>
+              <a:t>监测和溯源系统</a:t>
             </a:r>
             <a:endParaRPr lang="zh-CN" altLang="en-US" sz="1800"/>
           </a:p>
@@ -12073,6 +12079,230 @@
 <file path=ppt/slides/slide10.xml><?xml version="1.0" encoding="utf-8"?>
 <p:sld xmlns:a="http://schemas.openxmlformats.org/drawingml/2006/main" xmlns:r="http://schemas.openxmlformats.org/officeDocument/2006/relationships" xmlns:p="http://schemas.openxmlformats.org/presentationml/2006/main">
   <p:cSld>
+    <p:bg>
+      <p:bgPr>
+        <a:solidFill>
+          <a:schemeClr val="tx2"/>
+        </a:solidFill>
+        <a:effectLst/>
+      </p:bgPr>
+    </p:bg>
+    <p:spTree>
+      <p:nvGrpSpPr>
+        <p:cNvPr id="1" name=""/>
+        <p:cNvGrpSpPr/>
+        <p:nvPr/>
+      </p:nvGrpSpPr>
+      <p:grpSpPr>
+        <a:xfrm>
+          <a:off x="0" y="0"/>
+          <a:ext cx="0" cy="0"/>
+          <a:chOff x="0" y="0"/>
+          <a:chExt cx="0" cy="0"/>
+        </a:xfrm>
+      </p:grpSpPr>
+      <p:sp>
+        <p:nvSpPr>
+          <p:cNvPr id="5" name="文本框 4"/>
+          <p:cNvSpPr txBox="1"/>
+          <p:nvPr>
+            <p:custDataLst>
+              <p:tags r:id="rId1"/>
+            </p:custDataLst>
+          </p:nvPr>
+        </p:nvSpPr>
+        <p:spPr>
+          <a:xfrm>
+            <a:off x="2292350" y="2983230"/>
+            <a:ext cx="1659890" cy="1106805"/>
+          </a:xfrm>
+          <a:prstGeom prst="rect">
+            <a:avLst/>
+          </a:prstGeom>
+          <a:noFill/>
+        </p:spPr>
+        <p:txBody>
+          <a:bodyPr wrap="square" rtlCol="0" anchor="ctr" anchorCtr="0">
+            <a:normAutofit/>
+          </a:bodyPr>
+          <a:lstStyle/>
+          <a:p>
+            <a:pPr algn="ctr"/>
+            <a:r>
+              <a:rPr lang="en-US" altLang="zh-CN" sz="6600" b="1" spc="200">
+                <a:solidFill>
+                  <a:schemeClr val="accent1"/>
+                </a:solidFill>
+                <a:latin typeface="Arial" panose="020B0604020202020204" pitchFamily="34" charset="0"/>
+                <a:ea typeface="微软雅黑" panose="020B0503020204020204" charset="-122"/>
+                <a:cs typeface="Arial" panose="020B0604020202020204" pitchFamily="34" charset="0"/>
+              </a:rPr>
+              <a:t>02</a:t>
+            </a:r>
+            <a:endParaRPr lang="en-US" altLang="zh-CN" sz="6600" b="1" spc="200">
+              <a:solidFill>
+                <a:schemeClr val="accent1"/>
+              </a:solidFill>
+              <a:latin typeface="Arial" panose="020B0604020202020204" pitchFamily="34" charset="0"/>
+              <a:ea typeface="微软雅黑" panose="020B0503020204020204" charset="-122"/>
+              <a:cs typeface="Arial" panose="020B0604020202020204" pitchFamily="34" charset="0"/>
+            </a:endParaRPr>
+          </a:p>
+        </p:txBody>
+      </p:sp>
+      <p:sp>
+        <p:nvSpPr>
+          <p:cNvPr id="7" name="文本框 6"/>
+          <p:cNvSpPr txBox="1"/>
+          <p:nvPr>
+            <p:custDataLst>
+              <p:tags r:id="rId2"/>
+            </p:custDataLst>
+          </p:nvPr>
+        </p:nvSpPr>
+        <p:spPr>
+          <a:xfrm>
+            <a:off x="2292350" y="2712085"/>
+            <a:ext cx="1659890" cy="338455"/>
+          </a:xfrm>
+          <a:prstGeom prst="rect">
+            <a:avLst/>
+          </a:prstGeom>
+          <a:noFill/>
+        </p:spPr>
+        <p:txBody>
+          <a:bodyPr wrap="square" lIns="0" tIns="0" rIns="0" bIns="0" rtlCol="0" anchor="b" anchorCtr="0">
+            <a:normAutofit/>
+          </a:bodyPr>
+          <a:lstStyle/>
+          <a:p>
+            <a:pPr algn="ctr"/>
+            <a:r>
+              <a:rPr lang="en-US" altLang="zh-CN" b="1" spc="200">
+                <a:solidFill>
+                  <a:schemeClr val="accent1"/>
+                </a:solidFill>
+                <a:latin typeface="Arial" panose="020B0604020202020204" pitchFamily="34" charset="0"/>
+                <a:ea typeface="微软雅黑" panose="020B0503020204020204" charset="-122"/>
+                <a:sym typeface="+mn-ea"/>
+              </a:rPr>
+              <a:t>PART ONE</a:t>
+            </a:r>
+            <a:endParaRPr lang="en-US" altLang="zh-CN" b="1" spc="200" dirty="0">
+              <a:solidFill>
+                <a:schemeClr val="accent1"/>
+              </a:solidFill>
+              <a:latin typeface="Arial" panose="020B0604020202020204" pitchFamily="34" charset="0"/>
+              <a:ea typeface="微软雅黑" panose="020B0503020204020204" charset="-122"/>
+              <a:sym typeface="+mn-ea"/>
+            </a:endParaRPr>
+          </a:p>
+        </p:txBody>
+      </p:sp>
+      <p:cxnSp>
+        <p:nvCxnSpPr>
+          <p:cNvPr id="12" name="直接连接符 11"/>
+          <p:cNvCxnSpPr/>
+          <p:nvPr>
+            <p:custDataLst>
+              <p:tags r:id="rId3"/>
+            </p:custDataLst>
+          </p:nvPr>
+        </p:nvCxnSpPr>
+        <p:spPr>
+          <a:xfrm>
+            <a:off x="2438400" y="4088765"/>
+            <a:ext cx="1367790" cy="0"/>
+          </a:xfrm>
+          <a:prstGeom prst="line">
+            <a:avLst/>
+          </a:prstGeom>
+          <a:noFill/>
+          <a:ln w="19050" cap="flat" cmpd="sng" algn="ctr">
+            <a:solidFill>
+              <a:schemeClr val="accent1"/>
+            </a:solidFill>
+            <a:prstDash val="solid"/>
+            <a:miter lim="800000"/>
+          </a:ln>
+          <a:effectLst/>
+        </p:spPr>
+      </p:cxnSp>
+      <p:sp>
+        <p:nvSpPr>
+          <p:cNvPr id="3" name="标题 2"/>
+          <p:cNvSpPr>
+            <a:spLocks noGrp="1"/>
+          </p:cNvSpPr>
+          <p:nvPr>
+            <p:ph type="ctrTitle" idx="14"/>
+            <p:custDataLst>
+              <p:tags r:id="rId4"/>
+            </p:custDataLst>
+          </p:nvPr>
+        </p:nvSpPr>
+        <p:spPr/>
+        <p:txBody>
+          <a:bodyPr>
+            <a:normAutofit/>
+          </a:bodyPr>
+          <a:lstStyle/>
+          <a:p>
+            <a:r>
+              <a:rPr lang="zh-CN" altLang="en-US"/>
+              <a:t>产品设计应用原则</a:t>
+            </a:r>
+            <a:endParaRPr lang="zh-CN" altLang="en-US"/>
+          </a:p>
+        </p:txBody>
+      </p:sp>
+      <p:sp>
+        <p:nvSpPr>
+          <p:cNvPr id="2" name="副标题 1"/>
+          <p:cNvSpPr>
+            <a:spLocks noGrp="1"/>
+          </p:cNvSpPr>
+          <p:nvPr>
+            <p:ph type="subTitle" idx="13"/>
+            <p:custDataLst>
+              <p:tags r:id="rId5"/>
+            </p:custDataLst>
+          </p:nvPr>
+        </p:nvSpPr>
+        <p:spPr/>
+        <p:txBody>
+          <a:bodyPr/>
+          <a:lstStyle/>
+          <a:p>
+            <a:pPr algn="ctr"/>
+            <a:r>
+              <a:rPr lang="zh-CN" altLang="en-US">
+                <a:latin typeface="楷体" panose="02010609060101010101" charset="-122"/>
+                <a:ea typeface="楷体" panose="02010609060101010101" charset="-122"/>
+              </a:rPr>
+              <a:t>我们的产品有不可打破的原则</a:t>
+            </a:r>
+            <a:endParaRPr lang="zh-CN" altLang="en-US">
+              <a:latin typeface="楷体" panose="02010609060101010101" charset="-122"/>
+              <a:ea typeface="楷体" panose="02010609060101010101" charset="-122"/>
+            </a:endParaRPr>
+          </a:p>
+        </p:txBody>
+      </p:sp>
+    </p:spTree>
+    <p:custDataLst>
+      <p:tags r:id="rId6"/>
+    </p:custDataLst>
+  </p:cSld>
+  <p:clrMapOvr>
+    <a:masterClrMapping/>
+  </p:clrMapOvr>
+</p:sld>
+</file>
+
+<file path=ppt/slides/slide11.xml><?xml version="1.0" encoding="utf-8"?>
+<p:sld xmlns:a="http://schemas.openxmlformats.org/drawingml/2006/main" xmlns:r="http://schemas.openxmlformats.org/officeDocument/2006/relationships" xmlns:p="http://schemas.openxmlformats.org/presentationml/2006/main">
+  <p:cSld>
     <p:spTree>
       <p:nvGrpSpPr>
         <p:cNvPr id="1" name=""/>
@@ -12573,7 +12803,7 @@
 </p:sld>
 </file>
 
-<file path=ppt/slides/slide11.xml><?xml version="1.0" encoding="utf-8"?>
+<file path=ppt/slides/slide12.xml><?xml version="1.0" encoding="utf-8"?>
 <p:sld xmlns:a="http://schemas.openxmlformats.org/drawingml/2006/main" xmlns:r="http://schemas.openxmlformats.org/officeDocument/2006/relationships" xmlns:p="http://schemas.openxmlformats.org/presentationml/2006/main">
   <p:cSld>
     <p:spTree>
@@ -12830,23 +13060,6 @@
               <a:buFontTx/>
               <a:buNone/>
             </a:pPr>
-            <a:r>
-              <a:rPr lang="zh-CN" altLang="en-US" sz="1800"/>
-              <a:t>本产品也提供多样化的菜品选择，满足消费者不同的口味需求和膳食偏好。同时，通过采用智能化的推荐算法和个性化定制服务，可以根据消费者的喜好和需求，为其提供个性化的菜品组合和营养搭配。</a:t>
-            </a:r>
-            <a:endParaRPr lang="zh-CN" altLang="en-US" sz="1800"/>
-          </a:p>
-          <a:p>
-            <a:pPr indent="457200" algn="l">
-              <a:buClrTx/>
-              <a:buSzTx/>
-              <a:buFontTx/>
-              <a:buNone/>
-            </a:pPr>
-            <a:r>
-              <a:rPr lang="zh-CN" altLang="en-US" sz="1800"/>
-              <a:t>优化配送网络，建立高效的物流体系，确保预制菜能够及时送达消费者手中。</a:t>
-            </a:r>
             <a:endParaRPr lang="zh-CN" altLang="en-US" sz="1800"/>
           </a:p>
         </p:txBody>
@@ -12859,7 +13072,7 @@
 </p:sld>
 </file>
 
-<file path=ppt/slides/slide12.xml><?xml version="1.0" encoding="utf-8"?>
+<file path=ppt/slides/slide13.xml><?xml version="1.0" encoding="utf-8"?>
 <p:sld xmlns:a="http://schemas.openxmlformats.org/drawingml/2006/main" xmlns:r="http://schemas.openxmlformats.org/officeDocument/2006/relationships" xmlns:p="http://schemas.openxmlformats.org/presentationml/2006/main">
   <p:cSld>
     <p:spTree>
@@ -13149,7 +13362,7 @@
 </p:sld>
 </file>
 
-<file path=ppt/slides/slide13.xml><?xml version="1.0" encoding="utf-8"?>
+<file path=ppt/slides/slide14.xml><?xml version="1.0" encoding="utf-8"?>
 <p:sld xmlns:a="http://schemas.openxmlformats.org/drawingml/2006/main" xmlns:r="http://schemas.openxmlformats.org/officeDocument/2006/relationships" xmlns:p="http://schemas.openxmlformats.org/presentationml/2006/main">
   <p:cSld>
     <p:bg>
@@ -13415,7 +13628,7 @@
 </p:sld>
 </file>
 
-<file path=ppt/slides/slide14.xml><?xml version="1.0" encoding="utf-8"?>
+<file path=ppt/slides/slide15.xml><?xml version="1.0" encoding="utf-8"?>
 <p:sld xmlns:a="http://schemas.openxmlformats.org/drawingml/2006/main" xmlns:r="http://schemas.openxmlformats.org/officeDocument/2006/relationships" xmlns:p="http://schemas.openxmlformats.org/presentationml/2006/main">
   <p:cSld>
     <p:spTree>
@@ -13504,7 +13717,7 @@
 </p:sld>
 </file>
 
-<file path=ppt/slides/slide15.xml><?xml version="1.0" encoding="utf-8"?>
+<file path=ppt/slides/slide16.xml><?xml version="1.0" encoding="utf-8"?>
 <p:sld xmlns:a="http://schemas.openxmlformats.org/drawingml/2006/main" xmlns:r="http://schemas.openxmlformats.org/officeDocument/2006/relationships" xmlns:p="http://schemas.openxmlformats.org/presentationml/2006/main">
   <p:cSld>
     <p:spTree>
@@ -13695,7 +13908,7 @@
                   <a:schemeClr val="tx1"/>
                 </a:solidFill>
                 <a:uFillTx/>
-                <a:ea typeface="微软雅黑" charset="0"/>
+                <a:ea typeface="微软雅黑" panose="020B0503020204020204" charset="-122"/>
                 <a:cs typeface="+mn-cs"/>
               </a:rPr>
               <a:t>代码仓库结构</a:t>
@@ -13705,7 +13918,7 @@
                 <a:schemeClr val="tx1"/>
               </a:solidFill>
               <a:uFillTx/>
-              <a:ea typeface="微软雅黑" charset="0"/>
+              <a:ea typeface="微软雅黑" panose="020B0503020204020204" charset="-122"/>
               <a:cs typeface="+mn-cs"/>
             </a:endParaRPr>
           </a:p>
@@ -13974,7 +14187,76 @@
 </p:sld>
 </file>
 
-<file path=ppt/slides/slide16.xml><?xml version="1.0" encoding="utf-8"?>
+<file path=ppt/slides/slide17.xml><?xml version="1.0" encoding="utf-8"?>
+<p:sld xmlns:a="http://schemas.openxmlformats.org/drawingml/2006/main" xmlns:r="http://schemas.openxmlformats.org/officeDocument/2006/relationships" xmlns:p="http://schemas.openxmlformats.org/presentationml/2006/main">
+  <p:cSld>
+    <p:spTree>
+      <p:nvGrpSpPr>
+        <p:cNvPr id="1" name=""/>
+        <p:cNvGrpSpPr/>
+        <p:nvPr/>
+      </p:nvGrpSpPr>
+      <p:grpSpPr/>
+      <p:sp>
+        <p:nvSpPr>
+          <p:cNvPr id="6" name="标题 5"/>
+          <p:cNvSpPr/>
+          <p:nvPr>
+            <p:ph type="title"/>
+          </p:nvPr>
+        </p:nvSpPr>
+        <p:spPr/>
+        <p:txBody>
+          <a:bodyPr>
+            <a:normAutofit fontScale="90000"/>
+          </a:bodyPr>
+          <a:p>
+            <a:r>
+              <a:rPr lang="zh-CN" altLang="en-US"/>
+              <a:t>代码仓库提交历史</a:t>
+            </a:r>
+            <a:endParaRPr lang="zh-CN" altLang="en-US"/>
+          </a:p>
+        </p:txBody>
+      </p:sp>
+      <p:pic>
+        <p:nvPicPr>
+          <p:cNvPr id="7" name="内容占位符 6"/>
+          <p:cNvPicPr>
+            <a:picLocks noChangeAspect="1"/>
+          </p:cNvPicPr>
+          <p:nvPr>
+            <p:ph idx="1"/>
+            <p:custDataLst>
+              <p:tags r:id="rId1"/>
+            </p:custDataLst>
+          </p:nvPr>
+        </p:nvPicPr>
+        <p:blipFill>
+          <a:blip r:embed="rId2"/>
+          <a:stretch>
+            <a:fillRect/>
+          </a:stretch>
+        </p:blipFill>
+        <p:spPr>
+          <a:xfrm>
+            <a:off x="1529080" y="1349375"/>
+            <a:ext cx="6766560" cy="3688080"/>
+          </a:xfrm>
+          <a:prstGeom prst="rect">
+            <a:avLst/>
+          </a:prstGeom>
+        </p:spPr>
+      </p:pic>
+    </p:spTree>
+  </p:cSld>
+  <p:clrMapOvr>
+    <a:masterClrMapping/>
+  </p:clrMapOvr>
+</p:sld>
+</file>
+
+<file path=ppt/slides/slide18.xml><?xml version="1.0" encoding="utf-8"?>
 <p:sld xmlns:a="http://schemas.openxmlformats.org/drawingml/2006/main" xmlns:r="http://schemas.openxmlformats.org/officeDocument/2006/relationships" xmlns:p="http://schemas.openxmlformats.org/presentationml/2006/main">
   <p:cSld>
     <p:spTree>
@@ -14078,7 +14360,7 @@
 </p:sld>
 </file>
 
-<file path=ppt/slides/slide17.xml><?xml version="1.0" encoding="utf-8"?>
+<file path=ppt/slides/slide19.xml><?xml version="1.0" encoding="utf-8"?>
 <p:sld xmlns:a="http://schemas.openxmlformats.org/drawingml/2006/main" xmlns:r="http://schemas.openxmlformats.org/officeDocument/2006/relationships" xmlns:p="http://schemas.openxmlformats.org/presentationml/2006/main">
   <p:cSld>
     <p:spTree>
@@ -14691,7 +14973,7 @@
                       </a:r>
                       <a:r>
                         <a:rPr lang="en-US" altLang="zh-CN"/>
-                        <a:t>Mysql</a:t>
+                        <a:t>MySQL</a:t>
                       </a:r>
                       <a:r>
                         <a:rPr lang="zh-CN" altLang="en-US"/>
@@ -15176,600 +15458,6 @@
 </p:sld>
 </file>
 
-<file path=ppt/slides/slide18.xml><?xml version="1.0" encoding="utf-8"?>
-<p:sld xmlns:a="http://schemas.openxmlformats.org/drawingml/2006/main" xmlns:r="http://schemas.openxmlformats.org/officeDocument/2006/relationships" xmlns:p="http://schemas.openxmlformats.org/presentationml/2006/main">
-  <p:cSld>
-    <p:spTree>
-      <p:nvGrpSpPr>
-        <p:cNvPr id="1" name=""/>
-        <p:cNvGrpSpPr/>
-        <p:nvPr/>
-      </p:nvGrpSpPr>
-      <p:grpSpPr/>
-      <p:sp>
-        <p:nvSpPr>
-          <p:cNvPr id="2" name="标题 1"/>
-          <p:cNvSpPr>
-            <a:spLocks noGrp="1"/>
-          </p:cNvSpPr>
-          <p:nvPr>
-            <p:ph type="title"/>
-          </p:nvPr>
-        </p:nvSpPr>
-        <p:spPr/>
-        <p:txBody>
-          <a:bodyPr>
-            <a:normAutofit fontScale="90000"/>
-          </a:bodyPr>
-          <a:p>
-            <a:r>
-              <a:rPr sz="3600"/>
-              <a:t>系统概要设计</a:t>
-            </a:r>
-            <a:endParaRPr lang="zh-CN" altLang="en-US" sz="3600"/>
-          </a:p>
-        </p:txBody>
-      </p:sp>
-      <p:sp>
-        <p:nvSpPr>
-          <p:cNvPr id="3" name="内容占位符 2"/>
-          <p:cNvSpPr>
-            <a:spLocks noGrp="1"/>
-          </p:cNvSpPr>
-          <p:nvPr>
-            <p:ph idx="1"/>
-          </p:nvPr>
-        </p:nvSpPr>
-        <p:spPr>
-          <a:xfrm>
-            <a:off x="669882" y="952508"/>
-            <a:ext cx="2244018" cy="531157"/>
-          </a:xfrm>
-        </p:spPr>
-        <p:txBody>
-          <a:bodyPr/>
-          <a:p>
-            <a:r>
-              <a:rPr sz="2000"/>
-              <a:t>系统架构图</a:t>
-            </a:r>
-            <a:endParaRPr lang="zh-CN" altLang="en-US" sz="2000"/>
-          </a:p>
-        </p:txBody>
-      </p:sp>
-      <p:pic>
-        <p:nvPicPr>
-          <p:cNvPr id="7" name="图片 6" descr="upload_post_object_v2_89689380"/>
-          <p:cNvPicPr>
-            <a:picLocks noChangeAspect="1"/>
-          </p:cNvPicPr>
-          <p:nvPr/>
-        </p:nvPicPr>
-        <p:blipFill>
-          <a:blip r:embed="rId1"/>
-          <a:stretch>
-            <a:fillRect/>
-          </a:stretch>
-        </p:blipFill>
-        <p:spPr>
-          <a:xfrm>
-            <a:off x="987425" y="1549400"/>
-            <a:ext cx="5262498" cy="2800805"/>
-          </a:xfrm>
-          <a:prstGeom prst="rect">
-            <a:avLst/>
-          </a:prstGeom>
-        </p:spPr>
-      </p:pic>
-      <p:sp>
-        <p:nvSpPr>
-          <p:cNvPr id="8" name="文本框 7"/>
-          <p:cNvSpPr txBox="1"/>
-          <p:nvPr userDrawn="1"/>
-        </p:nvSpPr>
-        <p:spPr>
-          <a:xfrm>
-            <a:off x="669925" y="4350258"/>
-            <a:ext cx="2303780" cy="368300"/>
-          </a:xfrm>
-          <a:prstGeom prst="rect">
-            <a:avLst/>
-          </a:prstGeom>
-        </p:spPr>
-        <p:txBody>
-          <a:bodyPr wrap="none" rtlCol="0">
-            <a:spAutoFit/>
-          </a:bodyPr>
-          <a:p>
-            <a:r>
-              <a:rPr lang="zh-CN" altLang="en-US"/>
-              <a:t>区块链技术运用说明</a:t>
-            </a:r>
-            <a:r>
-              <a:rPr lang="en-US" altLang="zh-CN"/>
-              <a:t>:</a:t>
-            </a:r>
-            <a:endParaRPr lang="zh-CN" altLang="en-US"/>
-          </a:p>
-        </p:txBody>
-      </p:sp>
-      <p:sp>
-        <p:nvSpPr>
-          <p:cNvPr id="10" name="文本框 9"/>
-          <p:cNvSpPr txBox="1"/>
-          <p:nvPr userDrawn="1"/>
-        </p:nvSpPr>
-        <p:spPr>
-          <a:xfrm>
-            <a:off x="898049" y="4794758"/>
-            <a:ext cx="9415812" cy="645160"/>
-          </a:xfrm>
-          <a:prstGeom prst="rect">
-            <a:avLst/>
-          </a:prstGeom>
-        </p:spPr>
-        <p:txBody>
-          <a:bodyPr wrap="square" rtlCol="0">
-            <a:noAutofit/>
-          </a:bodyPr>
-          <a:p>
-            <a:r>
-              <a:rPr lang="zh-CN" altLang="en-US"/>
-              <a:t>本系统采用的区块链是梧桐链存证平台，本地物理机运行了</a:t>
-            </a:r>
-            <a:r>
-              <a:rPr lang="en-US" altLang="zh-CN"/>
-              <a:t>Web</a:t>
-            </a:r>
-            <a:r>
-              <a:rPr lang="zh-CN" altLang="en-US"/>
-              <a:t>服务器和</a:t>
-            </a:r>
-            <a:r>
-              <a:rPr lang="en-US" altLang="zh-CN"/>
-              <a:t>MySQL</a:t>
-            </a:r>
-            <a:r>
-              <a:rPr lang="zh-CN" altLang="en-US"/>
-              <a:t>服务，在虚拟机上部署了梧桐链提供的</a:t>
-            </a:r>
-            <a:r>
-              <a:rPr lang="en-US" altLang="zh-CN"/>
-              <a:t>SDK</a:t>
-            </a:r>
-            <a:r>
-              <a:rPr lang="zh-CN" altLang="en-US"/>
-              <a:t>来进行存证和查询，</a:t>
-            </a:r>
-            <a:r>
-              <a:rPr lang="en-US" altLang="zh-CN"/>
-              <a:t>MySQL</a:t>
-            </a:r>
-            <a:r>
-              <a:rPr lang="zh-CN" altLang="en-US"/>
-              <a:t>中存储了产品的键值和对应的区块哈希</a:t>
-            </a:r>
-            <a:endParaRPr lang="zh-CN" altLang="en-US"/>
-          </a:p>
-        </p:txBody>
-      </p:sp>
-      <p:sp>
-        <p:nvSpPr>
-          <p:cNvPr id="11" name="文本框 10"/>
-          <p:cNvSpPr txBox="1"/>
-          <p:nvPr userDrawn="1"/>
-        </p:nvSpPr>
-        <p:spPr>
-          <a:xfrm>
-            <a:off x="812800" y="5991860"/>
-            <a:ext cx="6570980" cy="368300"/>
-          </a:xfrm>
-          <a:prstGeom prst="rect">
-            <a:avLst/>
-          </a:prstGeom>
-        </p:spPr>
-        <p:txBody>
-          <a:bodyPr wrap="none" rtlCol="0">
-            <a:spAutoFit/>
-          </a:bodyPr>
-          <a:p>
-            <a:r>
-              <a:rPr lang="zh-CN" altLang="en-US"/>
-              <a:t>梧桐链</a:t>
-            </a:r>
-            <a:r>
-              <a:rPr lang="en-US" altLang="zh-CN"/>
-              <a:t>github</a:t>
-            </a:r>
-            <a:r>
-              <a:rPr lang="zh-CN" altLang="en-US"/>
-              <a:t>仓库地址：</a:t>
-            </a:r>
-            <a:r>
-              <a:rPr lang="en-US" altLang="zh-CN">
-                <a:hlinkClick r:id="rId2"/>
-              </a:rPr>
-              <a:t>https://github.com/tjfoc/wutongchain.git</a:t>
-            </a:r>
-            <a:endParaRPr lang="zh-CN" altLang="en-US"/>
-          </a:p>
-        </p:txBody>
-      </p:sp>
-    </p:spTree>
-  </p:cSld>
-  <p:clrMapOvr>
-    <a:masterClrMapping/>
-  </p:clrMapOvr>
-</p:sld>
-</file>
-
-<file path=ppt/slides/slide19.xml><?xml version="1.0" encoding="utf-8"?>
-<p:sld xmlns:a="http://schemas.openxmlformats.org/drawingml/2006/main" xmlns:r="http://schemas.openxmlformats.org/officeDocument/2006/relationships" xmlns:p="http://schemas.openxmlformats.org/presentationml/2006/main">
-  <p:cSld>
-    <p:spTree>
-      <p:nvGrpSpPr>
-        <p:cNvPr id="1" name=""/>
-        <p:cNvGrpSpPr/>
-        <p:nvPr/>
-      </p:nvGrpSpPr>
-      <p:grpSpPr/>
-      <p:sp>
-        <p:nvSpPr>
-          <p:cNvPr id="2" name="标题 1"/>
-          <p:cNvSpPr>
-            <a:spLocks noGrp="1"/>
-          </p:cNvSpPr>
-          <p:nvPr>
-            <p:ph type="title"/>
-          </p:nvPr>
-        </p:nvSpPr>
-        <p:spPr/>
-        <p:txBody>
-          <a:bodyPr>
-            <a:normAutofit fontScale="90000"/>
-          </a:bodyPr>
-          <a:p>
-            <a:r>
-              <a:rPr sz="3600"/>
-              <a:t>系统概要设计</a:t>
-            </a:r>
-            <a:endParaRPr lang="zh-CN" altLang="en-US" sz="3600"/>
-          </a:p>
-        </p:txBody>
-      </p:sp>
-      <p:sp>
-        <p:nvSpPr>
-          <p:cNvPr id="3" name="内容占位符 2"/>
-          <p:cNvSpPr>
-            <a:spLocks noGrp="1"/>
-          </p:cNvSpPr>
-          <p:nvPr>
-            <p:ph idx="1"/>
-          </p:nvPr>
-        </p:nvSpPr>
-        <p:spPr>
-          <a:xfrm>
-            <a:off x="669882" y="952508"/>
-            <a:ext cx="2220206" cy="554970"/>
-          </a:xfrm>
-        </p:spPr>
-        <p:txBody>
-          <a:bodyPr/>
-          <a:p>
-            <a:r>
-              <a:rPr sz="2000"/>
-              <a:t>数据库</a:t>
-            </a:r>
-            <a:r>
-              <a:rPr lang="en-US" altLang="zh-CN" sz="2000"/>
-              <a:t>E</a:t>
-            </a:r>
-            <a:r>
-              <a:rPr sz="2000"/>
-              <a:t>-</a:t>
-            </a:r>
-            <a:r>
-              <a:rPr lang="en-US" altLang="zh-CN" sz="2000"/>
-              <a:t>R</a:t>
-            </a:r>
-            <a:r>
-              <a:rPr sz="2000"/>
-              <a:t>图</a:t>
-            </a:r>
-            <a:endParaRPr lang="zh-CN" altLang="en-US" sz="2000"/>
-          </a:p>
-        </p:txBody>
-      </p:sp>
-      <p:pic>
-        <p:nvPicPr>
-          <p:cNvPr id="4" name="图片 3" descr="upload_post_object_v2_836482421"/>
-          <p:cNvPicPr>
-            <a:picLocks noChangeAspect="1"/>
-          </p:cNvPicPr>
-          <p:nvPr/>
-        </p:nvPicPr>
-        <p:blipFill>
-          <a:blip r:embed="rId1"/>
-          <a:stretch>
-            <a:fillRect/>
-          </a:stretch>
-        </p:blipFill>
-        <p:spPr>
-          <a:xfrm>
-            <a:off x="83344" y="1578888"/>
-            <a:ext cx="6391734" cy="4517348"/>
-          </a:xfrm>
-          <a:prstGeom prst="rect">
-            <a:avLst/>
-          </a:prstGeom>
-        </p:spPr>
-      </p:pic>
-      <p:sp>
-        <p:nvSpPr>
-          <p:cNvPr id="5" name="内容占位符 2"/>
-          <p:cNvSpPr>
-            <a:spLocks noGrp="1"/>
-          </p:cNvSpPr>
-          <p:nvPr/>
-        </p:nvSpPr>
-        <p:spPr>
-          <a:xfrm>
-            <a:off x="9301948" y="952500"/>
-            <a:ext cx="2220206" cy="554970"/>
-          </a:xfrm>
-          <a:prstGeom prst="rect">
-            <a:avLst/>
-          </a:prstGeom>
-        </p:spPr>
-        <p:txBody>
-          <a:bodyPr vert="horz" wrap="square" lIns="90170" tIns="46990" rIns="90170" bIns="46990" rtlCol="0">
-            <a:normAutofit/>
-          </a:bodyPr>
-          <a:lstStyle>
-            <a:lvl1pPr marL="228600" marR="0" lvl="0" indent="-228600" algn="l" defTabSz="914400" rtl="0" eaLnBrk="1" fontAlgn="auto" latinLnBrk="0" hangingPunct="1">
-              <a:lnSpc>
-                <a:spcPct val="130000"/>
-              </a:lnSpc>
-              <a:spcBef>
-                <a:spcPts val="0"/>
-              </a:spcBef>
-              <a:spcAft>
-                <a:spcPts val="1000"/>
-              </a:spcAft>
-              <a:buFont typeface="Arial" panose="020B0604020202020204" pitchFamily="34" charset="0"/>
-              <a:buChar char="•"/>
-              <a:defRPr kumimoji="0" lang="zh-CN" altLang="en-US" sz="1600" b="0" i="0" u="none" strike="noStrike" kern="1200" cap="none" spc="150" normalizeH="0" baseline="0" noProof="1" dirty="0">
-                <a:solidFill>
-                  <a:schemeClr val="tx1"/>
-                </a:solidFill>
-                <a:uFillTx/>
-                <a:latin typeface="Arial" panose="020B0604020202020204" pitchFamily="34" charset="0"/>
-                <a:ea typeface="微软雅黑" panose="020B0503020204020204" charset="-122"/>
-                <a:cs typeface="+mn-cs"/>
-                <a:sym typeface="+mn-ea"/>
-              </a:defRPr>
-            </a:lvl1pPr>
-            <a:lvl2pPr marL="685800" marR="0" lvl="1" indent="-228600" algn="l" defTabSz="914400" rtl="0" eaLnBrk="1" fontAlgn="auto" latinLnBrk="0" hangingPunct="1">
-              <a:lnSpc>
-                <a:spcPct val="130000"/>
-              </a:lnSpc>
-              <a:spcBef>
-                <a:spcPts val="0"/>
-              </a:spcBef>
-              <a:spcAft>
-                <a:spcPts val="1000"/>
-              </a:spcAft>
-              <a:buFont typeface="Arial" panose="020B0604020202020204" pitchFamily="34" charset="0"/>
-              <a:buChar char="•"/>
-              <a:tabLst>
-                <a:tab pos="1609725" algn="l"/>
-              </a:tabLst>
-              <a:defRPr kumimoji="0" lang="zh-CN" altLang="en-US" sz="1600" b="0" i="0" u="none" strike="noStrike" kern="1200" cap="none" spc="150" normalizeH="0" baseline="0" noProof="1" dirty="0">
-                <a:solidFill>
-                  <a:schemeClr val="tx1"/>
-                </a:solidFill>
-                <a:uFillTx/>
-                <a:latin typeface="Arial" panose="020B0604020202020204" pitchFamily="34" charset="0"/>
-                <a:ea typeface="微软雅黑" panose="020B0503020204020204" charset="-122"/>
-                <a:cs typeface="+mn-cs"/>
-                <a:sym typeface="+mn-ea"/>
-              </a:defRPr>
-            </a:lvl2pPr>
-            <a:lvl3pPr marL="1143000" marR="0" lvl="2" indent="-228600" algn="l" defTabSz="914400" rtl="0" eaLnBrk="1" fontAlgn="auto" latinLnBrk="0" hangingPunct="1">
-              <a:lnSpc>
-                <a:spcPct val="130000"/>
-              </a:lnSpc>
-              <a:spcBef>
-                <a:spcPts val="0"/>
-              </a:spcBef>
-              <a:spcAft>
-                <a:spcPts val="1000"/>
-              </a:spcAft>
-              <a:buFont typeface="Arial" panose="020B0604020202020204" pitchFamily="34" charset="0"/>
-              <a:buChar char="•"/>
-              <a:defRPr kumimoji="0" lang="zh-CN" altLang="en-US" sz="1600" b="0" i="0" u="none" strike="noStrike" kern="1200" cap="none" spc="150" normalizeH="0" baseline="0" noProof="1" dirty="0">
-                <a:solidFill>
-                  <a:schemeClr val="tx1"/>
-                </a:solidFill>
-                <a:uFillTx/>
-                <a:latin typeface="Arial" panose="020B0604020202020204" pitchFamily="34" charset="0"/>
-                <a:ea typeface="微软雅黑" panose="020B0503020204020204" charset="-122"/>
-                <a:cs typeface="+mn-cs"/>
-                <a:sym typeface="+mn-ea"/>
-              </a:defRPr>
-            </a:lvl3pPr>
-            <a:lvl4pPr marL="1600200" marR="0" lvl="3" indent="-228600" algn="l" defTabSz="914400" rtl="0" eaLnBrk="1" fontAlgn="auto" latinLnBrk="0" hangingPunct="1">
-              <a:lnSpc>
-                <a:spcPct val="130000"/>
-              </a:lnSpc>
-              <a:spcBef>
-                <a:spcPts val="0"/>
-              </a:spcBef>
-              <a:spcAft>
-                <a:spcPts val="1000"/>
-              </a:spcAft>
-              <a:buFont typeface="Arial" panose="020B0604020202020204" pitchFamily="34" charset="0"/>
-              <a:buChar char="•"/>
-              <a:defRPr kumimoji="0" lang="zh-CN" altLang="en-US" sz="1600" b="0" i="0" u="none" strike="noStrike" kern="1200" cap="none" spc="150" normalizeH="0" baseline="0" noProof="1" dirty="0">
-                <a:solidFill>
-                  <a:schemeClr val="tx1"/>
-                </a:solidFill>
-                <a:uFillTx/>
-                <a:latin typeface="Arial" panose="020B0604020202020204" pitchFamily="34" charset="0"/>
-                <a:ea typeface="微软雅黑" panose="020B0503020204020204" charset="-122"/>
-                <a:cs typeface="+mn-cs"/>
-                <a:sym typeface="+mn-ea"/>
-              </a:defRPr>
-            </a:lvl4pPr>
-            <a:lvl5pPr marL="2057400" marR="0" lvl="4" indent="-228600" algn="l" defTabSz="914400" rtl="0" eaLnBrk="1" fontAlgn="auto" latinLnBrk="0" hangingPunct="1">
-              <a:lnSpc>
-                <a:spcPct val="130000"/>
-              </a:lnSpc>
-              <a:spcBef>
-                <a:spcPts val="0"/>
-              </a:spcBef>
-              <a:spcAft>
-                <a:spcPts val="1000"/>
-              </a:spcAft>
-              <a:buFont typeface="Arial" panose="020B0604020202020204" pitchFamily="34" charset="0"/>
-              <a:buChar char="•"/>
-              <a:defRPr kumimoji="0" lang="zh-CN" altLang="en-US" sz="1600" b="0" i="0" u="none" strike="noStrike" kern="1200" cap="none" spc="150" normalizeH="0" baseline="0" noProof="1" dirty="0">
-                <a:solidFill>
-                  <a:schemeClr val="tx1"/>
-                </a:solidFill>
-                <a:uFillTx/>
-                <a:latin typeface="Arial" panose="020B0604020202020204" pitchFamily="34" charset="0"/>
-                <a:ea typeface="微软雅黑" panose="020B0503020204020204" charset="-122"/>
-                <a:cs typeface="+mn-cs"/>
-                <a:sym typeface="+mn-ea"/>
-              </a:defRPr>
-            </a:lvl5pPr>
-            <a:lvl6pPr marL="2514600" indent="-228600" algn="l" defTabSz="914400" rtl="0" eaLnBrk="1" latinLnBrk="0" hangingPunct="1">
-              <a:lnSpc>
-                <a:spcPct val="90000"/>
-              </a:lnSpc>
-              <a:spcBef>
-                <a:spcPts val="500"/>
-              </a:spcBef>
-              <a:buFont typeface="Arial" panose="020B0604020202020204" pitchFamily="34" charset="0"/>
-              <a:buChar char="•"/>
-              <a:defRPr sz="1800" kern="1200">
-                <a:solidFill>
-                  <a:schemeClr val="tx1"/>
-                </a:solidFill>
-                <a:latin typeface="+mn-lt"/>
-                <a:ea typeface="+mn-ea"/>
-                <a:cs typeface="+mn-cs"/>
-              </a:defRPr>
-            </a:lvl6pPr>
-            <a:lvl7pPr marL="2971800" indent="-228600" algn="l" defTabSz="914400" rtl="0" eaLnBrk="1" latinLnBrk="0" hangingPunct="1">
-              <a:lnSpc>
-                <a:spcPct val="90000"/>
-              </a:lnSpc>
-              <a:spcBef>
-                <a:spcPts val="500"/>
-              </a:spcBef>
-              <a:buFont typeface="Arial" panose="020B0604020202020204" pitchFamily="34" charset="0"/>
-              <a:buChar char="•"/>
-              <a:defRPr sz="1800" kern="1200">
-                <a:solidFill>
-                  <a:schemeClr val="tx1"/>
-                </a:solidFill>
-                <a:latin typeface="+mn-lt"/>
-                <a:ea typeface="+mn-ea"/>
-                <a:cs typeface="+mn-cs"/>
-              </a:defRPr>
-            </a:lvl7pPr>
-            <a:lvl8pPr marL="3429000" indent="-228600" algn="l" defTabSz="914400" rtl="0" eaLnBrk="1" latinLnBrk="0" hangingPunct="1">
-              <a:lnSpc>
-                <a:spcPct val="90000"/>
-              </a:lnSpc>
-              <a:spcBef>
-                <a:spcPts val="500"/>
-              </a:spcBef>
-              <a:buFont typeface="Arial" panose="020B0604020202020204" pitchFamily="34" charset="0"/>
-              <a:buChar char="•"/>
-              <a:defRPr sz="1800" kern="1200">
-                <a:solidFill>
-                  <a:schemeClr val="tx1"/>
-                </a:solidFill>
-                <a:latin typeface="+mn-lt"/>
-                <a:ea typeface="+mn-ea"/>
-                <a:cs typeface="+mn-cs"/>
-              </a:defRPr>
-            </a:lvl8pPr>
-            <a:lvl9pPr marL="3886200" indent="-228600" algn="l" defTabSz="914400" rtl="0" eaLnBrk="1" latinLnBrk="0" hangingPunct="1">
-              <a:lnSpc>
-                <a:spcPct val="90000"/>
-              </a:lnSpc>
-              <a:spcBef>
-                <a:spcPts val="500"/>
-              </a:spcBef>
-              <a:buFont typeface="Arial" panose="020B0604020202020204" pitchFamily="34" charset="0"/>
-              <a:buChar char="•"/>
-              <a:defRPr sz="1800" kern="1200">
-                <a:solidFill>
-                  <a:schemeClr val="tx1"/>
-                </a:solidFill>
-                <a:latin typeface="+mn-lt"/>
-                <a:ea typeface="+mn-ea"/>
-                <a:cs typeface="+mn-cs"/>
-              </a:defRPr>
-            </a:lvl9pPr>
-          </a:lstStyle>
-          <a:p>
-            <a:r>
-              <a:rPr lang="en-US" altLang="zh-CN" sz="2000"/>
-              <a:t>E</a:t>
-            </a:r>
-            <a:r>
-              <a:rPr sz="2000"/>
-              <a:t>-</a:t>
-            </a:r>
-            <a:r>
-              <a:rPr lang="en-US" altLang="zh-CN" sz="2000"/>
-              <a:t>R</a:t>
-            </a:r>
-            <a:r>
-              <a:rPr sz="2000"/>
-              <a:t>缩略图</a:t>
-            </a:r>
-            <a:endParaRPr lang="zh-CN" altLang="en-US" sz="2000"/>
-          </a:p>
-        </p:txBody>
-      </p:sp>
-      <p:pic>
-        <p:nvPicPr>
-          <p:cNvPr id="6" name="图片 5" descr="upload_post_object_v2_1205205854"/>
-          <p:cNvPicPr>
-            <a:picLocks noChangeAspect="1"/>
-          </p:cNvPicPr>
-          <p:nvPr/>
-        </p:nvPicPr>
-        <p:blipFill>
-          <a:blip r:embed="rId2"/>
-          <a:stretch>
-            <a:fillRect/>
-          </a:stretch>
-        </p:blipFill>
-        <p:spPr>
-          <a:xfrm>
-            <a:off x="6391751" y="1578907"/>
-            <a:ext cx="5800249" cy="3962441"/>
-          </a:xfrm>
-          <a:prstGeom prst="rect">
-            <a:avLst/>
-          </a:prstGeom>
-        </p:spPr>
-      </p:pic>
-    </p:spTree>
-  </p:cSld>
-  <p:clrMapOvr>
-    <a:masterClrMapping/>
-  </p:clrMapOvr>
-</p:sld>
-</file>
-
 <file path=ppt/slides/slide2.xml><?xml version="1.0" encoding="utf-8"?>
 <p:sld xmlns:a="http://schemas.openxmlformats.org/drawingml/2006/main" xmlns:r="http://schemas.openxmlformats.org/officeDocument/2006/relationships" xmlns:p="http://schemas.openxmlformats.org/presentationml/2006/main">
   <p:cSld>
@@ -16040,6 +15728,34 @@
                     </a:rPr>
                     <a:t>产品设计</a:t>
                   </a:r>
+                  <a:endParaRPr lang="zh-CN" altLang="en-US" sz="2000" b="1" spc="200">
+                    <a:solidFill>
+                      <a:schemeClr val="tx1">
+                        <a:lumMod val="65000"/>
+                        <a:lumOff val="35000"/>
+                      </a:schemeClr>
+                    </a:solidFill>
+                    <a:latin typeface="Arial" panose="020B0604020202020204" pitchFamily="34" charset="0"/>
+                    <a:ea typeface="微软雅黑" panose="020B0503020204020204" charset="-122"/>
+                    <a:cs typeface="微软雅黑" panose="020B0503020204020204" charset="-122"/>
+                    <a:sym typeface="Arial" panose="020B0604020202020204" pitchFamily="34" charset="0"/>
+                    <a:hlinkClick r:id="rId5" action="ppaction://hlinksldjump">
+                      <a:extLst>
+                        <a:ext uri="{DAF060AB-1E55-43B9-8AAB-6FB025537F2F}">
+                          <wpsdc:hlinkClr xmlns:wpsdc="http://www.wps.cn/officeDocument/2017/drawingmlCustomData" val="14B6F0"/>
+                          <wpsdc:folHlinkClr xmlns:wpsdc="http://www.wps.cn/officeDocument/2017/drawingmlCustomData" val="14B6F0"/>
+                          <wpsdc:hlinkUnderline xmlns:wpsdc="http://www.wps.cn/officeDocument/2017/drawingmlCustomData" val="0"/>
+                        </a:ext>
+                      </a:extLst>
+                    </a:hlinkClick>
+                  </a:endParaRPr>
+                </a:p>
+                <a:p>
+                  <a:pPr>
+                    <a:lnSpc>
+                      <a:spcPct val="120000"/>
+                    </a:lnSpc>
+                  </a:pPr>
                   <a:endParaRPr lang="zh-CN" altLang="en-US" sz="2000" b="1" spc="200">
                     <a:solidFill>
                       <a:schemeClr val="tx1">
@@ -16818,6 +16534,600 @@
         <p:spPr>
           <a:xfrm>
             <a:off x="669882" y="952508"/>
+            <a:ext cx="2244018" cy="531157"/>
+          </a:xfrm>
+        </p:spPr>
+        <p:txBody>
+          <a:bodyPr/>
+          <a:p>
+            <a:r>
+              <a:rPr sz="2000"/>
+              <a:t>系统架构图</a:t>
+            </a:r>
+            <a:endParaRPr lang="zh-CN" altLang="en-US" sz="2000"/>
+          </a:p>
+        </p:txBody>
+      </p:sp>
+      <p:pic>
+        <p:nvPicPr>
+          <p:cNvPr id="7" name="图片 6" descr="upload_post_object_v2_89689380"/>
+          <p:cNvPicPr>
+            <a:picLocks noChangeAspect="1"/>
+          </p:cNvPicPr>
+          <p:nvPr/>
+        </p:nvPicPr>
+        <p:blipFill>
+          <a:blip r:embed="rId1"/>
+          <a:stretch>
+            <a:fillRect/>
+          </a:stretch>
+        </p:blipFill>
+        <p:spPr>
+          <a:xfrm>
+            <a:off x="987425" y="1549400"/>
+            <a:ext cx="5262498" cy="2800805"/>
+          </a:xfrm>
+          <a:prstGeom prst="rect">
+            <a:avLst/>
+          </a:prstGeom>
+        </p:spPr>
+      </p:pic>
+      <p:sp>
+        <p:nvSpPr>
+          <p:cNvPr id="8" name="文本框 7"/>
+          <p:cNvSpPr txBox="1"/>
+          <p:nvPr userDrawn="1"/>
+        </p:nvSpPr>
+        <p:spPr>
+          <a:xfrm>
+            <a:off x="669925" y="4350258"/>
+            <a:ext cx="2303780" cy="368300"/>
+          </a:xfrm>
+          <a:prstGeom prst="rect">
+            <a:avLst/>
+          </a:prstGeom>
+        </p:spPr>
+        <p:txBody>
+          <a:bodyPr wrap="none" rtlCol="0">
+            <a:spAutoFit/>
+          </a:bodyPr>
+          <a:p>
+            <a:r>
+              <a:rPr lang="zh-CN" altLang="en-US"/>
+              <a:t>区块链技术运用说明</a:t>
+            </a:r>
+            <a:r>
+              <a:rPr lang="en-US" altLang="zh-CN"/>
+              <a:t>:</a:t>
+            </a:r>
+            <a:endParaRPr lang="zh-CN" altLang="en-US"/>
+          </a:p>
+        </p:txBody>
+      </p:sp>
+      <p:sp>
+        <p:nvSpPr>
+          <p:cNvPr id="10" name="文本框 9"/>
+          <p:cNvSpPr txBox="1"/>
+          <p:nvPr userDrawn="1"/>
+        </p:nvSpPr>
+        <p:spPr>
+          <a:xfrm>
+            <a:off x="898049" y="4794758"/>
+            <a:ext cx="9415812" cy="645160"/>
+          </a:xfrm>
+          <a:prstGeom prst="rect">
+            <a:avLst/>
+          </a:prstGeom>
+        </p:spPr>
+        <p:txBody>
+          <a:bodyPr wrap="square" rtlCol="0">
+            <a:noAutofit/>
+          </a:bodyPr>
+          <a:p>
+            <a:r>
+              <a:rPr lang="zh-CN" altLang="en-US"/>
+              <a:t>本系统采用的区块链是梧桐链存证平台，本地物理机运行了</a:t>
+            </a:r>
+            <a:r>
+              <a:rPr lang="en-US" altLang="zh-CN"/>
+              <a:t>Web</a:t>
+            </a:r>
+            <a:r>
+              <a:rPr lang="zh-CN" altLang="en-US"/>
+              <a:t>服务器和</a:t>
+            </a:r>
+            <a:r>
+              <a:rPr lang="en-US" altLang="zh-CN"/>
+              <a:t>MySQL</a:t>
+            </a:r>
+            <a:r>
+              <a:rPr lang="zh-CN" altLang="en-US"/>
+              <a:t>服务，在虚拟机上部署了梧桐链提供的</a:t>
+            </a:r>
+            <a:r>
+              <a:rPr lang="en-US" altLang="zh-CN"/>
+              <a:t>SDK</a:t>
+            </a:r>
+            <a:r>
+              <a:rPr lang="zh-CN" altLang="en-US"/>
+              <a:t>来进行存证和查询，</a:t>
+            </a:r>
+            <a:r>
+              <a:rPr lang="en-US" altLang="zh-CN"/>
+              <a:t>MySQL</a:t>
+            </a:r>
+            <a:r>
+              <a:rPr lang="zh-CN" altLang="en-US"/>
+              <a:t>中存储了产品的键值和对应的区块哈希</a:t>
+            </a:r>
+            <a:endParaRPr lang="zh-CN" altLang="en-US"/>
+          </a:p>
+        </p:txBody>
+      </p:sp>
+      <p:sp>
+        <p:nvSpPr>
+          <p:cNvPr id="11" name="文本框 10"/>
+          <p:cNvSpPr txBox="1"/>
+          <p:nvPr userDrawn="1"/>
+        </p:nvSpPr>
+        <p:spPr>
+          <a:xfrm>
+            <a:off x="812800" y="5991860"/>
+            <a:ext cx="6570980" cy="368300"/>
+          </a:xfrm>
+          <a:prstGeom prst="rect">
+            <a:avLst/>
+          </a:prstGeom>
+        </p:spPr>
+        <p:txBody>
+          <a:bodyPr wrap="none" rtlCol="0">
+            <a:spAutoFit/>
+          </a:bodyPr>
+          <a:p>
+            <a:r>
+              <a:rPr lang="zh-CN" altLang="en-US"/>
+              <a:t>梧桐链</a:t>
+            </a:r>
+            <a:r>
+              <a:rPr lang="en-US" altLang="zh-CN"/>
+              <a:t>github</a:t>
+            </a:r>
+            <a:r>
+              <a:rPr lang="zh-CN" altLang="en-US"/>
+              <a:t>仓库地址：</a:t>
+            </a:r>
+            <a:r>
+              <a:rPr lang="en-US" altLang="zh-CN">
+                <a:hlinkClick r:id="rId2"/>
+              </a:rPr>
+              <a:t>https://github.com/tjfoc/wutongchain.git</a:t>
+            </a:r>
+            <a:endParaRPr lang="zh-CN" altLang="en-US"/>
+          </a:p>
+        </p:txBody>
+      </p:sp>
+    </p:spTree>
+  </p:cSld>
+  <p:clrMapOvr>
+    <a:masterClrMapping/>
+  </p:clrMapOvr>
+</p:sld>
+</file>
+
+<file path=ppt/slides/slide21.xml><?xml version="1.0" encoding="utf-8"?>
+<p:sld xmlns:a="http://schemas.openxmlformats.org/drawingml/2006/main" xmlns:r="http://schemas.openxmlformats.org/officeDocument/2006/relationships" xmlns:p="http://schemas.openxmlformats.org/presentationml/2006/main">
+  <p:cSld>
+    <p:spTree>
+      <p:nvGrpSpPr>
+        <p:cNvPr id="1" name=""/>
+        <p:cNvGrpSpPr/>
+        <p:nvPr/>
+      </p:nvGrpSpPr>
+      <p:grpSpPr/>
+      <p:sp>
+        <p:nvSpPr>
+          <p:cNvPr id="2" name="标题 1"/>
+          <p:cNvSpPr>
+            <a:spLocks noGrp="1"/>
+          </p:cNvSpPr>
+          <p:nvPr>
+            <p:ph type="title"/>
+          </p:nvPr>
+        </p:nvSpPr>
+        <p:spPr/>
+        <p:txBody>
+          <a:bodyPr>
+            <a:normAutofit fontScale="90000"/>
+          </a:bodyPr>
+          <a:p>
+            <a:r>
+              <a:rPr sz="3600"/>
+              <a:t>系统概要设计</a:t>
+            </a:r>
+            <a:endParaRPr lang="zh-CN" altLang="en-US" sz="3600"/>
+          </a:p>
+        </p:txBody>
+      </p:sp>
+      <p:sp>
+        <p:nvSpPr>
+          <p:cNvPr id="3" name="内容占位符 2"/>
+          <p:cNvSpPr>
+            <a:spLocks noGrp="1"/>
+          </p:cNvSpPr>
+          <p:nvPr>
+            <p:ph idx="1"/>
+          </p:nvPr>
+        </p:nvSpPr>
+        <p:spPr>
+          <a:xfrm>
+            <a:off x="669882" y="952508"/>
+            <a:ext cx="2220206" cy="554970"/>
+          </a:xfrm>
+        </p:spPr>
+        <p:txBody>
+          <a:bodyPr/>
+          <a:p>
+            <a:r>
+              <a:rPr sz="2000"/>
+              <a:t>数据库</a:t>
+            </a:r>
+            <a:r>
+              <a:rPr lang="en-US" altLang="zh-CN" sz="2000"/>
+              <a:t>E</a:t>
+            </a:r>
+            <a:r>
+              <a:rPr sz="2000"/>
+              <a:t>-</a:t>
+            </a:r>
+            <a:r>
+              <a:rPr lang="en-US" altLang="zh-CN" sz="2000"/>
+              <a:t>R</a:t>
+            </a:r>
+            <a:r>
+              <a:rPr sz="2000"/>
+              <a:t>图</a:t>
+            </a:r>
+            <a:endParaRPr lang="zh-CN" altLang="en-US" sz="2000"/>
+          </a:p>
+        </p:txBody>
+      </p:sp>
+      <p:pic>
+        <p:nvPicPr>
+          <p:cNvPr id="4" name="图片 3" descr="upload_post_object_v2_836482421"/>
+          <p:cNvPicPr>
+            <a:picLocks noChangeAspect="1"/>
+          </p:cNvPicPr>
+          <p:nvPr/>
+        </p:nvPicPr>
+        <p:blipFill>
+          <a:blip r:embed="rId1"/>
+          <a:stretch>
+            <a:fillRect/>
+          </a:stretch>
+        </p:blipFill>
+        <p:spPr>
+          <a:xfrm>
+            <a:off x="83344" y="1578888"/>
+            <a:ext cx="6391734" cy="4517348"/>
+          </a:xfrm>
+          <a:prstGeom prst="rect">
+            <a:avLst/>
+          </a:prstGeom>
+        </p:spPr>
+      </p:pic>
+      <p:sp>
+        <p:nvSpPr>
+          <p:cNvPr id="5" name="内容占位符 2"/>
+          <p:cNvSpPr>
+            <a:spLocks noGrp="1"/>
+          </p:cNvSpPr>
+          <p:nvPr/>
+        </p:nvSpPr>
+        <p:spPr>
+          <a:xfrm>
+            <a:off x="9301948" y="952500"/>
+            <a:ext cx="2220206" cy="554970"/>
+          </a:xfrm>
+          <a:prstGeom prst="rect">
+            <a:avLst/>
+          </a:prstGeom>
+        </p:spPr>
+        <p:txBody>
+          <a:bodyPr vert="horz" wrap="square" lIns="90170" tIns="46990" rIns="90170" bIns="46990" rtlCol="0">
+            <a:normAutofit/>
+          </a:bodyPr>
+          <a:lstStyle>
+            <a:lvl1pPr marL="228600" marR="0" lvl="0" indent="-228600" algn="l" defTabSz="914400" rtl="0" eaLnBrk="1" fontAlgn="auto" latinLnBrk="0" hangingPunct="1">
+              <a:lnSpc>
+                <a:spcPct val="130000"/>
+              </a:lnSpc>
+              <a:spcBef>
+                <a:spcPts val="0"/>
+              </a:spcBef>
+              <a:spcAft>
+                <a:spcPts val="1000"/>
+              </a:spcAft>
+              <a:buFont typeface="Arial" panose="020B0604020202020204" pitchFamily="34" charset="0"/>
+              <a:buChar char="•"/>
+              <a:defRPr kumimoji="0" lang="zh-CN" altLang="en-US" sz="1600" b="0" i="0" u="none" strike="noStrike" kern="1200" cap="none" spc="150" normalizeH="0" baseline="0" noProof="1" dirty="0">
+                <a:solidFill>
+                  <a:schemeClr val="tx1"/>
+                </a:solidFill>
+                <a:uFillTx/>
+                <a:latin typeface="Arial" panose="020B0604020202020204" pitchFamily="34" charset="0"/>
+                <a:ea typeface="微软雅黑" panose="020B0503020204020204" charset="-122"/>
+                <a:cs typeface="+mn-cs"/>
+                <a:sym typeface="+mn-ea"/>
+              </a:defRPr>
+            </a:lvl1pPr>
+            <a:lvl2pPr marL="685800" marR="0" lvl="1" indent="-228600" algn="l" defTabSz="914400" rtl="0" eaLnBrk="1" fontAlgn="auto" latinLnBrk="0" hangingPunct="1">
+              <a:lnSpc>
+                <a:spcPct val="130000"/>
+              </a:lnSpc>
+              <a:spcBef>
+                <a:spcPts val="0"/>
+              </a:spcBef>
+              <a:spcAft>
+                <a:spcPts val="1000"/>
+              </a:spcAft>
+              <a:buFont typeface="Arial" panose="020B0604020202020204" pitchFamily="34" charset="0"/>
+              <a:buChar char="•"/>
+              <a:tabLst>
+                <a:tab pos="1609725" algn="l"/>
+              </a:tabLst>
+              <a:defRPr kumimoji="0" lang="zh-CN" altLang="en-US" sz="1600" b="0" i="0" u="none" strike="noStrike" kern="1200" cap="none" spc="150" normalizeH="0" baseline="0" noProof="1" dirty="0">
+                <a:solidFill>
+                  <a:schemeClr val="tx1"/>
+                </a:solidFill>
+                <a:uFillTx/>
+                <a:latin typeface="Arial" panose="020B0604020202020204" pitchFamily="34" charset="0"/>
+                <a:ea typeface="微软雅黑" panose="020B0503020204020204" charset="-122"/>
+                <a:cs typeface="+mn-cs"/>
+                <a:sym typeface="+mn-ea"/>
+              </a:defRPr>
+            </a:lvl2pPr>
+            <a:lvl3pPr marL="1143000" marR="0" lvl="2" indent="-228600" algn="l" defTabSz="914400" rtl="0" eaLnBrk="1" fontAlgn="auto" latinLnBrk="0" hangingPunct="1">
+              <a:lnSpc>
+                <a:spcPct val="130000"/>
+              </a:lnSpc>
+              <a:spcBef>
+                <a:spcPts val="0"/>
+              </a:spcBef>
+              <a:spcAft>
+                <a:spcPts val="1000"/>
+              </a:spcAft>
+              <a:buFont typeface="Arial" panose="020B0604020202020204" pitchFamily="34" charset="0"/>
+              <a:buChar char="•"/>
+              <a:defRPr kumimoji="0" lang="zh-CN" altLang="en-US" sz="1600" b="0" i="0" u="none" strike="noStrike" kern="1200" cap="none" spc="150" normalizeH="0" baseline="0" noProof="1" dirty="0">
+                <a:solidFill>
+                  <a:schemeClr val="tx1"/>
+                </a:solidFill>
+                <a:uFillTx/>
+                <a:latin typeface="Arial" panose="020B0604020202020204" pitchFamily="34" charset="0"/>
+                <a:ea typeface="微软雅黑" panose="020B0503020204020204" charset="-122"/>
+                <a:cs typeface="+mn-cs"/>
+                <a:sym typeface="+mn-ea"/>
+              </a:defRPr>
+            </a:lvl3pPr>
+            <a:lvl4pPr marL="1600200" marR="0" lvl="3" indent="-228600" algn="l" defTabSz="914400" rtl="0" eaLnBrk="1" fontAlgn="auto" latinLnBrk="0" hangingPunct="1">
+              <a:lnSpc>
+                <a:spcPct val="130000"/>
+              </a:lnSpc>
+              <a:spcBef>
+                <a:spcPts val="0"/>
+              </a:spcBef>
+              <a:spcAft>
+                <a:spcPts val="1000"/>
+              </a:spcAft>
+              <a:buFont typeface="Arial" panose="020B0604020202020204" pitchFamily="34" charset="0"/>
+              <a:buChar char="•"/>
+              <a:defRPr kumimoji="0" lang="zh-CN" altLang="en-US" sz="1600" b="0" i="0" u="none" strike="noStrike" kern="1200" cap="none" spc="150" normalizeH="0" baseline="0" noProof="1" dirty="0">
+                <a:solidFill>
+                  <a:schemeClr val="tx1"/>
+                </a:solidFill>
+                <a:uFillTx/>
+                <a:latin typeface="Arial" panose="020B0604020202020204" pitchFamily="34" charset="0"/>
+                <a:ea typeface="微软雅黑" panose="020B0503020204020204" charset="-122"/>
+                <a:cs typeface="+mn-cs"/>
+                <a:sym typeface="+mn-ea"/>
+              </a:defRPr>
+            </a:lvl4pPr>
+            <a:lvl5pPr marL="2057400" marR="0" lvl="4" indent="-228600" algn="l" defTabSz="914400" rtl="0" eaLnBrk="1" fontAlgn="auto" latinLnBrk="0" hangingPunct="1">
+              <a:lnSpc>
+                <a:spcPct val="130000"/>
+              </a:lnSpc>
+              <a:spcBef>
+                <a:spcPts val="0"/>
+              </a:spcBef>
+              <a:spcAft>
+                <a:spcPts val="1000"/>
+              </a:spcAft>
+              <a:buFont typeface="Arial" panose="020B0604020202020204" pitchFamily="34" charset="0"/>
+              <a:buChar char="•"/>
+              <a:defRPr kumimoji="0" lang="zh-CN" altLang="en-US" sz="1600" b="0" i="0" u="none" strike="noStrike" kern="1200" cap="none" spc="150" normalizeH="0" baseline="0" noProof="1" dirty="0">
+                <a:solidFill>
+                  <a:schemeClr val="tx1"/>
+                </a:solidFill>
+                <a:uFillTx/>
+                <a:latin typeface="Arial" panose="020B0604020202020204" pitchFamily="34" charset="0"/>
+                <a:ea typeface="微软雅黑" panose="020B0503020204020204" charset="-122"/>
+                <a:cs typeface="+mn-cs"/>
+                <a:sym typeface="+mn-ea"/>
+              </a:defRPr>
+            </a:lvl5pPr>
+            <a:lvl6pPr marL="2514600" indent="-228600" algn="l" defTabSz="914400" rtl="0" eaLnBrk="1" latinLnBrk="0" hangingPunct="1">
+              <a:lnSpc>
+                <a:spcPct val="90000"/>
+              </a:lnSpc>
+              <a:spcBef>
+                <a:spcPts val="500"/>
+              </a:spcBef>
+              <a:buFont typeface="Arial" panose="020B0604020202020204" pitchFamily="34" charset="0"/>
+              <a:buChar char="•"/>
+              <a:defRPr sz="1800" kern="1200">
+                <a:solidFill>
+                  <a:schemeClr val="tx1"/>
+                </a:solidFill>
+                <a:latin typeface="+mn-lt"/>
+                <a:ea typeface="+mn-ea"/>
+                <a:cs typeface="+mn-cs"/>
+              </a:defRPr>
+            </a:lvl6pPr>
+            <a:lvl7pPr marL="2971800" indent="-228600" algn="l" defTabSz="914400" rtl="0" eaLnBrk="1" latinLnBrk="0" hangingPunct="1">
+              <a:lnSpc>
+                <a:spcPct val="90000"/>
+              </a:lnSpc>
+              <a:spcBef>
+                <a:spcPts val="500"/>
+              </a:spcBef>
+              <a:buFont typeface="Arial" panose="020B0604020202020204" pitchFamily="34" charset="0"/>
+              <a:buChar char="•"/>
+              <a:defRPr sz="1800" kern="1200">
+                <a:solidFill>
+                  <a:schemeClr val="tx1"/>
+                </a:solidFill>
+                <a:latin typeface="+mn-lt"/>
+                <a:ea typeface="+mn-ea"/>
+                <a:cs typeface="+mn-cs"/>
+              </a:defRPr>
+            </a:lvl7pPr>
+            <a:lvl8pPr marL="3429000" indent="-228600" algn="l" defTabSz="914400" rtl="0" eaLnBrk="1" latinLnBrk="0" hangingPunct="1">
+              <a:lnSpc>
+                <a:spcPct val="90000"/>
+              </a:lnSpc>
+              <a:spcBef>
+                <a:spcPts val="500"/>
+              </a:spcBef>
+              <a:buFont typeface="Arial" panose="020B0604020202020204" pitchFamily="34" charset="0"/>
+              <a:buChar char="•"/>
+              <a:defRPr sz="1800" kern="1200">
+                <a:solidFill>
+                  <a:schemeClr val="tx1"/>
+                </a:solidFill>
+                <a:latin typeface="+mn-lt"/>
+                <a:ea typeface="+mn-ea"/>
+                <a:cs typeface="+mn-cs"/>
+              </a:defRPr>
+            </a:lvl8pPr>
+            <a:lvl9pPr marL="3886200" indent="-228600" algn="l" defTabSz="914400" rtl="0" eaLnBrk="1" latinLnBrk="0" hangingPunct="1">
+              <a:lnSpc>
+                <a:spcPct val="90000"/>
+              </a:lnSpc>
+              <a:spcBef>
+                <a:spcPts val="500"/>
+              </a:spcBef>
+              <a:buFont typeface="Arial" panose="020B0604020202020204" pitchFamily="34" charset="0"/>
+              <a:buChar char="•"/>
+              <a:defRPr sz="1800" kern="1200">
+                <a:solidFill>
+                  <a:schemeClr val="tx1"/>
+                </a:solidFill>
+                <a:latin typeface="+mn-lt"/>
+                <a:ea typeface="+mn-ea"/>
+                <a:cs typeface="+mn-cs"/>
+              </a:defRPr>
+            </a:lvl9pPr>
+          </a:lstStyle>
+          <a:p>
+            <a:r>
+              <a:rPr lang="en-US" altLang="zh-CN" sz="2000"/>
+              <a:t>E</a:t>
+            </a:r>
+            <a:r>
+              <a:rPr sz="2000"/>
+              <a:t>-</a:t>
+            </a:r>
+            <a:r>
+              <a:rPr lang="en-US" altLang="zh-CN" sz="2000"/>
+              <a:t>R</a:t>
+            </a:r>
+            <a:r>
+              <a:rPr sz="2000"/>
+              <a:t>缩略图</a:t>
+            </a:r>
+            <a:endParaRPr lang="zh-CN" altLang="en-US" sz="2000"/>
+          </a:p>
+        </p:txBody>
+      </p:sp>
+      <p:pic>
+        <p:nvPicPr>
+          <p:cNvPr id="6" name="图片 5" descr="upload_post_object_v2_1205205854"/>
+          <p:cNvPicPr>
+            <a:picLocks noChangeAspect="1"/>
+          </p:cNvPicPr>
+          <p:nvPr/>
+        </p:nvPicPr>
+        <p:blipFill>
+          <a:blip r:embed="rId2"/>
+          <a:stretch>
+            <a:fillRect/>
+          </a:stretch>
+        </p:blipFill>
+        <p:spPr>
+          <a:xfrm>
+            <a:off x="6391751" y="1578907"/>
+            <a:ext cx="5800249" cy="3962441"/>
+          </a:xfrm>
+          <a:prstGeom prst="rect">
+            <a:avLst/>
+          </a:prstGeom>
+        </p:spPr>
+      </p:pic>
+    </p:spTree>
+  </p:cSld>
+  <p:clrMapOvr>
+    <a:masterClrMapping/>
+  </p:clrMapOvr>
+</p:sld>
+</file>
+
+<file path=ppt/slides/slide22.xml><?xml version="1.0" encoding="utf-8"?>
+<p:sld xmlns:a="http://schemas.openxmlformats.org/drawingml/2006/main" xmlns:r="http://schemas.openxmlformats.org/officeDocument/2006/relationships" xmlns:p="http://schemas.openxmlformats.org/presentationml/2006/main">
+  <p:cSld>
+    <p:spTree>
+      <p:nvGrpSpPr>
+        <p:cNvPr id="1" name=""/>
+        <p:cNvGrpSpPr/>
+        <p:nvPr/>
+      </p:nvGrpSpPr>
+      <p:grpSpPr/>
+      <p:sp>
+        <p:nvSpPr>
+          <p:cNvPr id="2" name="标题 1"/>
+          <p:cNvSpPr>
+            <a:spLocks noGrp="1"/>
+          </p:cNvSpPr>
+          <p:nvPr>
+            <p:ph type="title"/>
+          </p:nvPr>
+        </p:nvSpPr>
+        <p:spPr/>
+        <p:txBody>
+          <a:bodyPr>
+            <a:normAutofit fontScale="90000"/>
+          </a:bodyPr>
+          <a:p>
+            <a:r>
+              <a:rPr sz="3600"/>
+              <a:t>系统概要设计</a:t>
+            </a:r>
+            <a:endParaRPr lang="zh-CN" altLang="en-US" sz="3600"/>
+          </a:p>
+        </p:txBody>
+      </p:sp>
+      <p:sp>
+        <p:nvSpPr>
+          <p:cNvPr id="3" name="内容占位符 2"/>
+          <p:cNvSpPr>
+            <a:spLocks noGrp="1"/>
+          </p:cNvSpPr>
+          <p:nvPr>
+            <p:ph idx="1"/>
+          </p:nvPr>
+        </p:nvSpPr>
+        <p:spPr>
+          <a:xfrm>
+            <a:off x="669882" y="952508"/>
             <a:ext cx="2374987" cy="614501"/>
           </a:xfrm>
         </p:spPr>
@@ -16868,7 +17178,7 @@
 </p:sld>
 </file>
 
-<file path=ppt/slides/slide21.xml><?xml version="1.0" encoding="utf-8"?>
+<file path=ppt/slides/slide23.xml><?xml version="1.0" encoding="utf-8"?>
 <p:sld xmlns:a="http://schemas.openxmlformats.org/drawingml/2006/main" xmlns:r="http://schemas.openxmlformats.org/officeDocument/2006/relationships" xmlns:p="http://schemas.openxmlformats.org/presentationml/2006/main">
   <p:cSld>
     <p:spTree>
@@ -16965,7 +17275,7 @@
 </p:sld>
 </file>
 
-<file path=ppt/slides/slide22.xml><?xml version="1.0" encoding="utf-8"?>
+<file path=ppt/slides/slide24.xml><?xml version="1.0" encoding="utf-8"?>
 <p:sld xmlns:a="http://schemas.openxmlformats.org/drawingml/2006/main" xmlns:r="http://schemas.openxmlformats.org/officeDocument/2006/relationships" xmlns:p="http://schemas.openxmlformats.org/presentationml/2006/main">
   <p:cSld>
     <p:spTree>
@@ -17062,7 +17372,7 @@
 </p:sld>
 </file>
 
-<file path=ppt/slides/slide23.xml><?xml version="1.0" encoding="utf-8"?>
+<file path=ppt/slides/slide25.xml><?xml version="1.0" encoding="utf-8"?>
 <p:sld xmlns:a="http://schemas.openxmlformats.org/drawingml/2006/main" xmlns:r="http://schemas.openxmlformats.org/officeDocument/2006/relationships" xmlns:p="http://schemas.openxmlformats.org/presentationml/2006/main">
   <p:cSld>
     <p:spTree>
@@ -17195,7 +17505,7 @@
 </p:sld>
 </file>
 
-<file path=ppt/slides/slide24.xml><?xml version="1.0" encoding="utf-8"?>
+<file path=ppt/slides/slide26.xml><?xml version="1.0" encoding="utf-8"?>
 <p:sld xmlns:a="http://schemas.openxmlformats.org/drawingml/2006/main" xmlns:r="http://schemas.openxmlformats.org/officeDocument/2006/relationships" xmlns:p="http://schemas.openxmlformats.org/presentationml/2006/main">
   <p:cSld>
     <p:spTree>
@@ -17548,7 +17858,7 @@
 </p:sld>
 </file>
 
-<file path=ppt/slides/slide25.xml><?xml version="1.0" encoding="utf-8"?>
+<file path=ppt/slides/slide27.xml><?xml version="1.0" encoding="utf-8"?>
 <p:sld xmlns:a="http://schemas.openxmlformats.org/drawingml/2006/main" xmlns:r="http://schemas.openxmlformats.org/officeDocument/2006/relationships" xmlns:p="http://schemas.openxmlformats.org/presentationml/2006/main">
   <p:cSld>
     <p:spTree>
@@ -17722,7 +18032,7 @@
 </p:sld>
 </file>
 
-<file path=ppt/slides/slide26.xml><?xml version="1.0" encoding="utf-8"?>
+<file path=ppt/slides/slide28.xml><?xml version="1.0" encoding="utf-8"?>
 <p:sld xmlns:a="http://schemas.openxmlformats.org/drawingml/2006/main" xmlns:r="http://schemas.openxmlformats.org/officeDocument/2006/relationships" xmlns:p="http://schemas.openxmlformats.org/presentationml/2006/main">
   <p:cSld>
     <p:spTree>
@@ -17883,7 +18193,7 @@
             <p14:nvContentPartPr>
               <p14:cNvPr id="7" name="墨迹 6"/>
               <p14:cNvContentPartPr/>
-              <p14:nvPr userDrawn="1">
+              <p14:nvPr>
                 <p:custDataLst>
                   <p:tags r:id="rId5"/>
                 </p:custDataLst>
@@ -17919,7 +18229,7 @@
             <p14:nvContentPartPr>
               <p14:cNvPr id="8" name="墨迹 7"/>
               <p14:cNvContentPartPr/>
-              <p14:nvPr userDrawn="1">
+              <p14:nvPr>
                 <p:custDataLst>
                   <p:tags r:id="rId8"/>
                 </p:custDataLst>
@@ -17955,7 +18265,7 @@
             <p14:nvContentPartPr>
               <p14:cNvPr id="9" name="墨迹 8"/>
               <p14:cNvContentPartPr/>
-              <p14:nvPr userDrawn="1">
+              <p14:nvPr>
                 <p:custDataLst>
                   <p:tags r:id="rId11"/>
                 </p:custDataLst>
@@ -17993,7 +18303,7 @@
 </p:sld>
 </file>
 
-<file path=ppt/slides/slide27.xml><?xml version="1.0" encoding="utf-8"?>
+<file path=ppt/slides/slide29.xml><?xml version="1.0" encoding="utf-8"?>
 <p:sld xmlns:a="http://schemas.openxmlformats.org/drawingml/2006/main" xmlns:r="http://schemas.openxmlformats.org/officeDocument/2006/relationships" xmlns:p="http://schemas.openxmlformats.org/presentationml/2006/main">
   <p:cSld>
     <p:spTree>
@@ -18111,7 +18421,231 @@
 </p:sld>
 </file>
 
-<file path=ppt/slides/slide28.xml><?xml version="1.0" encoding="utf-8"?>
+<file path=ppt/slides/slide3.xml><?xml version="1.0" encoding="utf-8"?>
+<p:sld xmlns:a="http://schemas.openxmlformats.org/drawingml/2006/main" xmlns:r="http://schemas.openxmlformats.org/officeDocument/2006/relationships" xmlns:p="http://schemas.openxmlformats.org/presentationml/2006/main">
+  <p:cSld>
+    <p:bg>
+      <p:bgPr>
+        <a:solidFill>
+          <a:schemeClr val="tx2"/>
+        </a:solidFill>
+        <a:effectLst/>
+      </p:bgPr>
+    </p:bg>
+    <p:spTree>
+      <p:nvGrpSpPr>
+        <p:cNvPr id="1" name=""/>
+        <p:cNvGrpSpPr/>
+        <p:nvPr/>
+      </p:nvGrpSpPr>
+      <p:grpSpPr>
+        <a:xfrm>
+          <a:off x="0" y="0"/>
+          <a:ext cx="0" cy="0"/>
+          <a:chOff x="0" y="0"/>
+          <a:chExt cx="0" cy="0"/>
+        </a:xfrm>
+      </p:grpSpPr>
+      <p:sp>
+        <p:nvSpPr>
+          <p:cNvPr id="5" name="文本框 4"/>
+          <p:cNvSpPr txBox="1"/>
+          <p:nvPr>
+            <p:custDataLst>
+              <p:tags r:id="rId1"/>
+            </p:custDataLst>
+          </p:nvPr>
+        </p:nvSpPr>
+        <p:spPr>
+          <a:xfrm>
+            <a:off x="2292350" y="2983230"/>
+            <a:ext cx="1659890" cy="1106805"/>
+          </a:xfrm>
+          <a:prstGeom prst="rect">
+            <a:avLst/>
+          </a:prstGeom>
+          <a:noFill/>
+        </p:spPr>
+        <p:txBody>
+          <a:bodyPr wrap="square" rtlCol="0" anchor="ctr" anchorCtr="0">
+            <a:normAutofit/>
+          </a:bodyPr>
+          <a:lstStyle/>
+          <a:p>
+            <a:pPr algn="ctr"/>
+            <a:r>
+              <a:rPr lang="en-US" altLang="zh-CN" sz="6600" b="1" spc="200">
+                <a:solidFill>
+                  <a:schemeClr val="accent1"/>
+                </a:solidFill>
+                <a:latin typeface="Arial" panose="020B0604020202020204" pitchFamily="34" charset="0"/>
+                <a:ea typeface="微软雅黑" panose="020B0503020204020204" charset="-122"/>
+                <a:cs typeface="Arial" panose="020B0604020202020204" pitchFamily="34" charset="0"/>
+              </a:rPr>
+              <a:t>01</a:t>
+            </a:r>
+            <a:endParaRPr lang="en-US" altLang="zh-CN" sz="6600" b="1" spc="200">
+              <a:solidFill>
+                <a:schemeClr val="accent1"/>
+              </a:solidFill>
+              <a:latin typeface="Arial" panose="020B0604020202020204" pitchFamily="34" charset="0"/>
+              <a:ea typeface="微软雅黑" panose="020B0503020204020204" charset="-122"/>
+              <a:cs typeface="Arial" panose="020B0604020202020204" pitchFamily="34" charset="0"/>
+            </a:endParaRPr>
+          </a:p>
+        </p:txBody>
+      </p:sp>
+      <p:sp>
+        <p:nvSpPr>
+          <p:cNvPr id="7" name="文本框 6"/>
+          <p:cNvSpPr txBox="1"/>
+          <p:nvPr>
+            <p:custDataLst>
+              <p:tags r:id="rId2"/>
+            </p:custDataLst>
+          </p:nvPr>
+        </p:nvSpPr>
+        <p:spPr>
+          <a:xfrm>
+            <a:off x="2292350" y="2712085"/>
+            <a:ext cx="1659890" cy="338455"/>
+          </a:xfrm>
+          <a:prstGeom prst="rect">
+            <a:avLst/>
+          </a:prstGeom>
+          <a:noFill/>
+        </p:spPr>
+        <p:txBody>
+          <a:bodyPr wrap="square" lIns="0" tIns="0" rIns="0" bIns="0" rtlCol="0" anchor="b" anchorCtr="0">
+            <a:normAutofit/>
+          </a:bodyPr>
+          <a:lstStyle/>
+          <a:p>
+            <a:pPr algn="ctr"/>
+            <a:r>
+              <a:rPr lang="en-US" altLang="zh-CN" b="1" spc="200">
+                <a:solidFill>
+                  <a:schemeClr val="accent1"/>
+                </a:solidFill>
+                <a:latin typeface="Arial" panose="020B0604020202020204" pitchFamily="34" charset="0"/>
+                <a:ea typeface="微软雅黑" panose="020B0503020204020204" charset="-122"/>
+                <a:sym typeface="+mn-ea"/>
+              </a:rPr>
+              <a:t>PART ONE</a:t>
+            </a:r>
+            <a:endParaRPr lang="en-US" altLang="zh-CN" b="1" spc="200" dirty="0">
+              <a:solidFill>
+                <a:schemeClr val="accent1"/>
+              </a:solidFill>
+              <a:latin typeface="Arial" panose="020B0604020202020204" pitchFamily="34" charset="0"/>
+              <a:ea typeface="微软雅黑" panose="020B0503020204020204" charset="-122"/>
+              <a:sym typeface="+mn-ea"/>
+            </a:endParaRPr>
+          </a:p>
+        </p:txBody>
+      </p:sp>
+      <p:cxnSp>
+        <p:nvCxnSpPr>
+          <p:cNvPr id="12" name="直接连接符 11"/>
+          <p:cNvCxnSpPr/>
+          <p:nvPr>
+            <p:custDataLst>
+              <p:tags r:id="rId3"/>
+            </p:custDataLst>
+          </p:nvPr>
+        </p:nvCxnSpPr>
+        <p:spPr>
+          <a:xfrm>
+            <a:off x="2438400" y="4088765"/>
+            <a:ext cx="1367790" cy="0"/>
+          </a:xfrm>
+          <a:prstGeom prst="line">
+            <a:avLst/>
+          </a:prstGeom>
+          <a:noFill/>
+          <a:ln w="19050" cap="flat" cmpd="sng" algn="ctr">
+            <a:solidFill>
+              <a:schemeClr val="accent1"/>
+            </a:solidFill>
+            <a:prstDash val="solid"/>
+            <a:miter lim="800000"/>
+          </a:ln>
+          <a:effectLst/>
+        </p:spPr>
+      </p:cxnSp>
+      <p:sp>
+        <p:nvSpPr>
+          <p:cNvPr id="3" name="标题 2"/>
+          <p:cNvSpPr>
+            <a:spLocks noGrp="1"/>
+          </p:cNvSpPr>
+          <p:nvPr>
+            <p:ph type="ctrTitle" idx="14"/>
+            <p:custDataLst>
+              <p:tags r:id="rId4"/>
+            </p:custDataLst>
+          </p:nvPr>
+        </p:nvSpPr>
+        <p:spPr/>
+        <p:txBody>
+          <a:bodyPr>
+            <a:normAutofit/>
+          </a:bodyPr>
+          <a:lstStyle/>
+          <a:p>
+            <a:r>
+              <a:rPr lang="zh-CN" altLang="en-US"/>
+              <a:t>产品设计</a:t>
+            </a:r>
+            <a:endParaRPr lang="zh-CN" altLang="en-US"/>
+          </a:p>
+        </p:txBody>
+      </p:sp>
+      <p:sp>
+        <p:nvSpPr>
+          <p:cNvPr id="2" name="副标题 1"/>
+          <p:cNvSpPr>
+            <a:spLocks noGrp="1"/>
+          </p:cNvSpPr>
+          <p:nvPr>
+            <p:ph type="subTitle" idx="13"/>
+            <p:custDataLst>
+              <p:tags r:id="rId5"/>
+            </p:custDataLst>
+          </p:nvPr>
+        </p:nvSpPr>
+        <p:spPr/>
+        <p:txBody>
+          <a:bodyPr/>
+          <a:lstStyle/>
+          <a:p>
+            <a:pPr algn="ctr"/>
+            <a:r>
+              <a:rPr lang="zh-CN" altLang="en-US">
+                <a:latin typeface="楷体" panose="02010609060101010101" charset="-122"/>
+                <a:ea typeface="楷体" panose="02010609060101010101" charset="-122"/>
+              </a:rPr>
+              <a:t>灵感与意义</a:t>
+            </a:r>
+            <a:endParaRPr lang="zh-CN" altLang="en-US">
+              <a:latin typeface="楷体" panose="02010609060101010101" charset="-122"/>
+              <a:ea typeface="楷体" panose="02010609060101010101" charset="-122"/>
+            </a:endParaRPr>
+          </a:p>
+        </p:txBody>
+      </p:sp>
+    </p:spTree>
+    <p:custDataLst>
+      <p:tags r:id="rId6"/>
+    </p:custDataLst>
+  </p:cSld>
+  <p:clrMapOvr>
+    <a:masterClrMapping/>
+  </p:clrMapOvr>
+</p:sld>
+</file>
+
+<file path=ppt/slides/slide30.xml><?xml version="1.0" encoding="utf-8"?>
 <p:sld xmlns:a="http://schemas.openxmlformats.org/drawingml/2006/main" xmlns:r="http://schemas.openxmlformats.org/officeDocument/2006/relationships" xmlns:p="http://schemas.openxmlformats.org/presentationml/2006/main">
   <p:cSld>
     <p:spTree>
@@ -18205,7 +18739,7 @@
 </p:sld>
 </file>
 
-<file path=ppt/slides/slide29.xml><?xml version="1.0" encoding="utf-8"?>
+<file path=ppt/slides/slide31.xml><?xml version="1.0" encoding="utf-8"?>
 <p:sld xmlns:a="http://schemas.openxmlformats.org/drawingml/2006/main" xmlns:r="http://schemas.openxmlformats.org/officeDocument/2006/relationships" xmlns:p="http://schemas.openxmlformats.org/presentationml/2006/main">
   <p:cSld>
     <p:spTree>
@@ -18352,231 +18886,7 @@
 </p:sld>
 </file>
 
-<file path=ppt/slides/slide3.xml><?xml version="1.0" encoding="utf-8"?>
-<p:sld xmlns:a="http://schemas.openxmlformats.org/drawingml/2006/main" xmlns:r="http://schemas.openxmlformats.org/officeDocument/2006/relationships" xmlns:p="http://schemas.openxmlformats.org/presentationml/2006/main">
-  <p:cSld>
-    <p:bg>
-      <p:bgPr>
-        <a:solidFill>
-          <a:schemeClr val="tx2"/>
-        </a:solidFill>
-        <a:effectLst/>
-      </p:bgPr>
-    </p:bg>
-    <p:spTree>
-      <p:nvGrpSpPr>
-        <p:cNvPr id="1" name=""/>
-        <p:cNvGrpSpPr/>
-        <p:nvPr/>
-      </p:nvGrpSpPr>
-      <p:grpSpPr>
-        <a:xfrm>
-          <a:off x="0" y="0"/>
-          <a:ext cx="0" cy="0"/>
-          <a:chOff x="0" y="0"/>
-          <a:chExt cx="0" cy="0"/>
-        </a:xfrm>
-      </p:grpSpPr>
-      <p:sp>
-        <p:nvSpPr>
-          <p:cNvPr id="5" name="文本框 4"/>
-          <p:cNvSpPr txBox="1"/>
-          <p:nvPr>
-            <p:custDataLst>
-              <p:tags r:id="rId1"/>
-            </p:custDataLst>
-          </p:nvPr>
-        </p:nvSpPr>
-        <p:spPr>
-          <a:xfrm>
-            <a:off x="2292350" y="2983230"/>
-            <a:ext cx="1659890" cy="1106805"/>
-          </a:xfrm>
-          <a:prstGeom prst="rect">
-            <a:avLst/>
-          </a:prstGeom>
-          <a:noFill/>
-        </p:spPr>
-        <p:txBody>
-          <a:bodyPr wrap="square" rtlCol="0" anchor="ctr" anchorCtr="0">
-            <a:normAutofit/>
-          </a:bodyPr>
-          <a:lstStyle/>
-          <a:p>
-            <a:pPr algn="ctr"/>
-            <a:r>
-              <a:rPr lang="en-US" altLang="zh-CN" sz="6600" b="1" spc="200">
-                <a:solidFill>
-                  <a:schemeClr val="accent1"/>
-                </a:solidFill>
-                <a:latin typeface="Arial" panose="020B0604020202020204" pitchFamily="34" charset="0"/>
-                <a:ea typeface="微软雅黑" panose="020B0503020204020204" charset="-122"/>
-                <a:cs typeface="Arial" panose="020B0604020202020204" pitchFamily="34" charset="0"/>
-              </a:rPr>
-              <a:t>01</a:t>
-            </a:r>
-            <a:endParaRPr lang="en-US" altLang="zh-CN" sz="6600" b="1" spc="200">
-              <a:solidFill>
-                <a:schemeClr val="accent1"/>
-              </a:solidFill>
-              <a:latin typeface="Arial" panose="020B0604020202020204" pitchFamily="34" charset="0"/>
-              <a:ea typeface="微软雅黑" panose="020B0503020204020204" charset="-122"/>
-              <a:cs typeface="Arial" panose="020B0604020202020204" pitchFamily="34" charset="0"/>
-            </a:endParaRPr>
-          </a:p>
-        </p:txBody>
-      </p:sp>
-      <p:sp>
-        <p:nvSpPr>
-          <p:cNvPr id="7" name="文本框 6"/>
-          <p:cNvSpPr txBox="1"/>
-          <p:nvPr>
-            <p:custDataLst>
-              <p:tags r:id="rId2"/>
-            </p:custDataLst>
-          </p:nvPr>
-        </p:nvSpPr>
-        <p:spPr>
-          <a:xfrm>
-            <a:off x="2292350" y="2712085"/>
-            <a:ext cx="1659890" cy="338455"/>
-          </a:xfrm>
-          <a:prstGeom prst="rect">
-            <a:avLst/>
-          </a:prstGeom>
-          <a:noFill/>
-        </p:spPr>
-        <p:txBody>
-          <a:bodyPr wrap="square" lIns="0" tIns="0" rIns="0" bIns="0" rtlCol="0" anchor="b" anchorCtr="0">
-            <a:normAutofit/>
-          </a:bodyPr>
-          <a:lstStyle/>
-          <a:p>
-            <a:pPr algn="ctr"/>
-            <a:r>
-              <a:rPr lang="en-US" altLang="zh-CN" b="1" spc="200">
-                <a:solidFill>
-                  <a:schemeClr val="accent1"/>
-                </a:solidFill>
-                <a:latin typeface="Arial" panose="020B0604020202020204" pitchFamily="34" charset="0"/>
-                <a:ea typeface="微软雅黑" panose="020B0503020204020204" charset="-122"/>
-                <a:sym typeface="+mn-ea"/>
-              </a:rPr>
-              <a:t>PART ONE</a:t>
-            </a:r>
-            <a:endParaRPr lang="en-US" altLang="zh-CN" b="1" spc="200" dirty="0">
-              <a:solidFill>
-                <a:schemeClr val="accent1"/>
-              </a:solidFill>
-              <a:latin typeface="Arial" panose="020B0604020202020204" pitchFamily="34" charset="0"/>
-              <a:ea typeface="微软雅黑" panose="020B0503020204020204" charset="-122"/>
-              <a:sym typeface="+mn-ea"/>
-            </a:endParaRPr>
-          </a:p>
-        </p:txBody>
-      </p:sp>
-      <p:cxnSp>
-        <p:nvCxnSpPr>
-          <p:cNvPr id="12" name="直接连接符 11"/>
-          <p:cNvCxnSpPr/>
-          <p:nvPr>
-            <p:custDataLst>
-              <p:tags r:id="rId3"/>
-            </p:custDataLst>
-          </p:nvPr>
-        </p:nvCxnSpPr>
-        <p:spPr>
-          <a:xfrm>
-            <a:off x="2438400" y="4088765"/>
-            <a:ext cx="1367790" cy="0"/>
-          </a:xfrm>
-          <a:prstGeom prst="line">
-            <a:avLst/>
-          </a:prstGeom>
-          <a:noFill/>
-          <a:ln w="19050" cap="flat" cmpd="sng" algn="ctr">
-            <a:solidFill>
-              <a:schemeClr val="accent1"/>
-            </a:solidFill>
-            <a:prstDash val="solid"/>
-            <a:miter lim="800000"/>
-          </a:ln>
-          <a:effectLst/>
-        </p:spPr>
-      </p:cxnSp>
-      <p:sp>
-        <p:nvSpPr>
-          <p:cNvPr id="3" name="标题 2"/>
-          <p:cNvSpPr>
-            <a:spLocks noGrp="1"/>
-          </p:cNvSpPr>
-          <p:nvPr>
-            <p:ph type="ctrTitle" idx="14"/>
-            <p:custDataLst>
-              <p:tags r:id="rId4"/>
-            </p:custDataLst>
-          </p:nvPr>
-        </p:nvSpPr>
-        <p:spPr/>
-        <p:txBody>
-          <a:bodyPr>
-            <a:normAutofit/>
-          </a:bodyPr>
-          <a:lstStyle/>
-          <a:p>
-            <a:r>
-              <a:rPr lang="zh-CN" altLang="en-US"/>
-              <a:t>产品设计</a:t>
-            </a:r>
-            <a:endParaRPr lang="zh-CN" altLang="en-US"/>
-          </a:p>
-        </p:txBody>
-      </p:sp>
-      <p:sp>
-        <p:nvSpPr>
-          <p:cNvPr id="2" name="副标题 1"/>
-          <p:cNvSpPr>
-            <a:spLocks noGrp="1"/>
-          </p:cNvSpPr>
-          <p:nvPr>
-            <p:ph type="subTitle" idx="13"/>
-            <p:custDataLst>
-              <p:tags r:id="rId5"/>
-            </p:custDataLst>
-          </p:nvPr>
-        </p:nvSpPr>
-        <p:spPr/>
-        <p:txBody>
-          <a:bodyPr/>
-          <a:lstStyle/>
-          <a:p>
-            <a:pPr algn="ctr"/>
-            <a:r>
-              <a:rPr lang="zh-CN" altLang="en-US">
-                <a:latin typeface="楷体" panose="02010609060101010101" charset="-122"/>
-                <a:ea typeface="楷体" panose="02010609060101010101" charset="-122"/>
-              </a:rPr>
-              <a:t>灵感与意义</a:t>
-            </a:r>
-            <a:endParaRPr lang="zh-CN" altLang="en-US">
-              <a:latin typeface="楷体" panose="02010609060101010101" charset="-122"/>
-              <a:ea typeface="楷体" panose="02010609060101010101" charset="-122"/>
-            </a:endParaRPr>
-          </a:p>
-        </p:txBody>
-      </p:sp>
-    </p:spTree>
-    <p:custDataLst>
-      <p:tags r:id="rId6"/>
-    </p:custDataLst>
-  </p:cSld>
-  <p:clrMapOvr>
-    <a:masterClrMapping/>
-  </p:clrMapOvr>
-</p:sld>
-</file>
-
-<file path=ppt/slides/slide30.xml><?xml version="1.0" encoding="utf-8"?>
+<file path=ppt/slides/slide32.xml><?xml version="1.0" encoding="utf-8"?>
 <p:sld xmlns:a="http://schemas.openxmlformats.org/drawingml/2006/main" xmlns:r="http://schemas.openxmlformats.org/officeDocument/2006/relationships" xmlns:p="http://schemas.openxmlformats.org/presentationml/2006/main">
   <p:cSld>
     <p:spTree>
@@ -19987,6 +20297,417 @@
 </file>
 
 <file path=ppt/slides/slide6.xml><?xml version="1.0" encoding="utf-8"?>
+<p:sld xmlns:a="http://schemas.openxmlformats.org/drawingml/2006/main" xmlns:r="http://schemas.openxmlformats.org/officeDocument/2006/relationships" xmlns:p="http://schemas.openxmlformats.org/presentationml/2006/main">
+  <p:cSld>
+    <p:spTree>
+      <p:nvGrpSpPr>
+        <p:cNvPr id="1" name=""/>
+        <p:cNvGrpSpPr/>
+        <p:nvPr/>
+      </p:nvGrpSpPr>
+      <p:grpSpPr/>
+      <p:grpSp>
+        <p:nvGrpSpPr>
+          <p:cNvPr id="18" name="组合 17"/>
+          <p:cNvGrpSpPr/>
+          <p:nvPr>
+            <p:custDataLst>
+              <p:tags r:id="rId1"/>
+            </p:custDataLst>
+          </p:nvPr>
+        </p:nvGrpSpPr>
+        <p:grpSpPr>
+          <a:xfrm>
+            <a:off x="-10795" y="342"/>
+            <a:ext cx="5031740" cy="6853249"/>
+            <a:chOff x="-10795" y="342"/>
+            <a:chExt cx="5031740" cy="6853249"/>
+          </a:xfrm>
+        </p:grpSpPr>
+        <p:sp>
+          <p:nvSpPr>
+            <p:cNvPr id="13" name="矩形 12"/>
+            <p:cNvSpPr/>
+            <p:nvPr>
+              <p:custDataLst>
+                <p:tags r:id="rId2"/>
+              </p:custDataLst>
+            </p:nvPr>
+          </p:nvSpPr>
+          <p:spPr>
+            <a:xfrm>
+              <a:off x="-10795" y="342"/>
+              <a:ext cx="5031740" cy="6853249"/>
+            </a:xfrm>
+            <a:prstGeom prst="rect">
+              <a:avLst/>
+            </a:prstGeom>
+            <a:solidFill>
+              <a:sysClr val="window" lastClr="FFFFFF">
+                <a:lumMod val="95000"/>
+              </a:sysClr>
+            </a:solidFill>
+            <a:ln>
+              <a:noFill/>
+            </a:ln>
+          </p:spPr>
+          <p:style>
+            <a:lnRef idx="2">
+              <a:srgbClr val="1F74AD">
+                <a:shade val="50000"/>
+              </a:srgbClr>
+            </a:lnRef>
+            <a:fillRef idx="1">
+              <a:srgbClr val="1F74AD"/>
+            </a:fillRef>
+            <a:effectRef idx="0">
+              <a:srgbClr val="1F74AD"/>
+            </a:effectRef>
+            <a:fontRef idx="minor">
+              <a:sysClr val="window" lastClr="FFFFFF"/>
+            </a:fontRef>
+          </p:style>
+          <p:txBody>
+            <a:bodyPr rtlCol="0" anchor="ctr"/>
+            <a:p>
+              <a:pPr algn="ctr"/>
+              <a:endParaRPr lang="zh-CN" altLang="en-US">
+                <a:latin typeface="微软雅黑" panose="020B0503020204020204" charset="-122"/>
+                <a:ea typeface="微软雅黑" panose="020B0503020204020204" charset="-122"/>
+              </a:endParaRPr>
+            </a:p>
+          </p:txBody>
+        </p:sp>
+        <p:pic>
+          <p:nvPicPr>
+            <p:cNvPr id="16" name="图片 15"/>
+            <p:cNvPicPr>
+              <a:picLocks noChangeAspect="1"/>
+            </p:cNvPicPr>
+            <p:nvPr>
+              <p:custDataLst>
+                <p:tags r:id="rId3"/>
+              </p:custDataLst>
+            </p:nvPr>
+          </p:nvPicPr>
+          <p:blipFill>
+            <a:blip r:embed="rId4">
+              <a:extLst>
+                <a:ext uri="{28A0092B-C50C-407E-A947-70E740481C1C}">
+                  <a14:useLocalDpi xmlns:a14="http://schemas.microsoft.com/office/drawing/2010/main" val="0"/>
+                </a:ext>
+              </a:extLst>
+            </a:blip>
+            <a:stretch>
+              <a:fillRect/>
+            </a:stretch>
+          </p:blipFill>
+          <p:spPr>
+            <a:xfrm>
+              <a:off x="334725" y="760060"/>
+              <a:ext cx="4340728" cy="5303980"/>
+            </a:xfrm>
+            <a:prstGeom prst="rect">
+              <a:avLst/>
+            </a:prstGeom>
+          </p:spPr>
+        </p:pic>
+      </p:grpSp>
+      <p:grpSp>
+        <p:nvGrpSpPr>
+          <p:cNvPr id="11" name="组合 10"/>
+          <p:cNvGrpSpPr/>
+          <p:nvPr/>
+        </p:nvGrpSpPr>
+        <p:grpSpPr>
+          <a:xfrm>
+            <a:off x="5764530" y="229870"/>
+            <a:ext cx="5817870" cy="641350"/>
+            <a:chOff x="9078" y="362"/>
+            <a:chExt cx="9162" cy="1010"/>
+          </a:xfrm>
+        </p:grpSpPr>
+        <p:grpSp>
+          <p:nvGrpSpPr>
+            <p:cNvPr id="8" name="组合 7"/>
+            <p:cNvGrpSpPr/>
+            <p:nvPr>
+              <p:custDataLst>
+                <p:tags r:id="rId5"/>
+              </p:custDataLst>
+            </p:nvPr>
+          </p:nvGrpSpPr>
+          <p:grpSpPr>
+            <a:xfrm>
+              <a:off x="17919" y="1003"/>
+              <a:ext cx="321" cy="117"/>
+              <a:chOff x="9839643" y="910585"/>
+              <a:chExt cx="203545" cy="74612"/>
+            </a:xfrm>
+          </p:grpSpPr>
+          <p:cxnSp>
+            <p:nvCxnSpPr>
+              <p:cNvPr id="9" name="直接连接符 8"/>
+              <p:cNvCxnSpPr/>
+              <p:nvPr>
+                <p:custDataLst>
+                  <p:tags r:id="rId6"/>
+                </p:custDataLst>
+              </p:nvPr>
+            </p:nvCxnSpPr>
+            <p:spPr>
+              <a:xfrm>
+                <a:off x="9839643" y="910585"/>
+                <a:ext cx="203545" cy="0"/>
+              </a:xfrm>
+              <a:prstGeom prst="line">
+                <a:avLst/>
+              </a:prstGeom>
+              <a:ln w="12700">
+                <a:solidFill>
+                  <a:srgbClr val="000000"/>
+                </a:solidFill>
+              </a:ln>
+            </p:spPr>
+            <p:style>
+              <a:lnRef idx="1">
+                <a:srgbClr val="4472C4"/>
+              </a:lnRef>
+              <a:fillRef idx="0">
+                <a:srgbClr val="4472C4"/>
+              </a:fillRef>
+              <a:effectRef idx="0">
+                <a:srgbClr val="4472C4"/>
+              </a:effectRef>
+              <a:fontRef idx="minor">
+                <a:sysClr val="windowText" lastClr="000000"/>
+              </a:fontRef>
+            </p:style>
+          </p:cxnSp>
+          <p:cxnSp>
+            <p:nvCxnSpPr>
+              <p:cNvPr id="10" name="直接连接符 9"/>
+              <p:cNvCxnSpPr/>
+              <p:nvPr>
+                <p:custDataLst>
+                  <p:tags r:id="rId7"/>
+                </p:custDataLst>
+              </p:nvPr>
+            </p:nvCxnSpPr>
+            <p:spPr>
+              <a:xfrm>
+                <a:off x="9839643" y="985197"/>
+                <a:ext cx="155575" cy="0"/>
+              </a:xfrm>
+              <a:prstGeom prst="line">
+                <a:avLst/>
+              </a:prstGeom>
+              <a:ln w="12700">
+                <a:solidFill>
+                  <a:srgbClr val="000000"/>
+                </a:solidFill>
+              </a:ln>
+            </p:spPr>
+            <p:style>
+              <a:lnRef idx="1">
+                <a:srgbClr val="4472C4"/>
+              </a:lnRef>
+              <a:fillRef idx="0">
+                <a:srgbClr val="4472C4"/>
+              </a:fillRef>
+              <a:effectRef idx="0">
+                <a:srgbClr val="4472C4"/>
+              </a:effectRef>
+              <a:fontRef idx="minor">
+                <a:sysClr val="windowText" lastClr="000000"/>
+              </a:fontRef>
+            </p:style>
+          </p:cxnSp>
+        </p:grpSp>
+        <p:sp>
+          <p:nvSpPr>
+            <p:cNvPr id="2" name="文本框 1"/>
+            <p:cNvSpPr txBox="1"/>
+            <p:nvPr>
+              <p:custDataLst>
+                <p:tags r:id="rId8"/>
+              </p:custDataLst>
+            </p:nvPr>
+          </p:nvSpPr>
+          <p:spPr>
+            <a:xfrm>
+              <a:off x="9078" y="362"/>
+              <a:ext cx="7670" cy="1010"/>
+            </a:xfrm>
+            <a:prstGeom prst="rect">
+              <a:avLst/>
+            </a:prstGeom>
+            <a:noFill/>
+          </p:spPr>
+          <p:txBody>
+            <a:bodyPr wrap="square" tIns="46800" bIns="46800" rtlCol="0" anchor="b" anchorCtr="0">
+              <a:normAutofit fontScale="70000"/>
+              <a:scene3d>
+                <a:camera prst="orthographicFront"/>
+                <a:lightRig rig="threePt" dir="t"/>
+              </a:scene3d>
+            </a:bodyPr>
+            <a:p>
+              <a:pPr>
+                <a:lnSpc>
+                  <a:spcPct val="120000"/>
+                </a:lnSpc>
+              </a:pPr>
+              <a:r>
+                <a:rPr lang="zh-CN" altLang="en-US" sz="3200" b="1" spc="300">
+                  <a:solidFill>
+                    <a:schemeClr val="accent1"/>
+                  </a:solidFill>
+                  <a:effectLst>
+                    <a:outerShdw blurRad="38100" dist="25400" dir="5400000" algn="ctr" rotWithShape="0">
+                      <a:srgbClr val="6E747A">
+                        <a:alpha val="43000"/>
+                      </a:srgbClr>
+                    </a:outerShdw>
+                  </a:effectLst>
+                  <a:latin typeface="Arial" panose="020B0604020202020204" pitchFamily="34" charset="0"/>
+                  <a:ea typeface="微软雅黑" panose="020B0503020204020204" charset="-122"/>
+                  <a:cs typeface="Arial" panose="020B0604020202020204" pitchFamily="34" charset="0"/>
+                </a:rPr>
+                <a:t>相关政策及</a:t>
+              </a:r>
+              <a:r>
+                <a:rPr lang="zh-CN" altLang="en-US" sz="3200" b="1" spc="300">
+                  <a:solidFill>
+                    <a:schemeClr val="accent1"/>
+                  </a:solidFill>
+                  <a:effectLst>
+                    <a:outerShdw blurRad="38100" dist="25400" dir="5400000" algn="ctr" rotWithShape="0">
+                      <a:srgbClr val="6E747A">
+                        <a:alpha val="43000"/>
+                      </a:srgbClr>
+                    </a:outerShdw>
+                  </a:effectLst>
+                  <a:latin typeface="Arial" panose="020B0604020202020204" pitchFamily="34" charset="0"/>
+                  <a:ea typeface="微软雅黑" panose="020B0503020204020204" charset="-122"/>
+                  <a:cs typeface="Arial" panose="020B0604020202020204" pitchFamily="34" charset="0"/>
+                </a:rPr>
+                <a:t>开发该产品的</a:t>
+              </a:r>
+              <a:r>
+                <a:rPr lang="zh-CN" altLang="en-US" sz="3200" b="1" spc="300">
+                  <a:solidFill>
+                    <a:schemeClr val="accent1"/>
+                  </a:solidFill>
+                  <a:effectLst>
+                    <a:outerShdw blurRad="38100" dist="25400" dir="5400000" algn="ctr" rotWithShape="0">
+                      <a:srgbClr val="6E747A">
+                        <a:alpha val="43000"/>
+                      </a:srgbClr>
+                    </a:outerShdw>
+                  </a:effectLst>
+                  <a:latin typeface="Arial" panose="020B0604020202020204" pitchFamily="34" charset="0"/>
+                  <a:ea typeface="微软雅黑" panose="020B0503020204020204" charset="-122"/>
+                  <a:cs typeface="Arial" panose="020B0604020202020204" pitchFamily="34" charset="0"/>
+                </a:rPr>
+                <a:t>原因</a:t>
+              </a:r>
+              <a:endParaRPr lang="zh-CN" altLang="en-US" sz="3200" b="1" spc="300">
+                <a:solidFill>
+                  <a:schemeClr val="accent1"/>
+                </a:solidFill>
+                <a:effectLst>
+                  <a:outerShdw blurRad="38100" dist="25400" dir="5400000" algn="ctr" rotWithShape="0">
+                    <a:srgbClr val="6E747A">
+                      <a:alpha val="43000"/>
+                    </a:srgbClr>
+                  </a:outerShdw>
+                </a:effectLst>
+                <a:latin typeface="Arial" panose="020B0604020202020204" pitchFamily="34" charset="0"/>
+                <a:ea typeface="微软雅黑" panose="020B0503020204020204" charset="-122"/>
+                <a:cs typeface="Arial" panose="020B0604020202020204" pitchFamily="34" charset="0"/>
+              </a:endParaRPr>
+            </a:p>
+          </p:txBody>
+        </p:sp>
+      </p:grpSp>
+      <p:sp>
+        <p:nvSpPr>
+          <p:cNvPr id="6" name="文本框 5"/>
+          <p:cNvSpPr txBox="1"/>
+          <p:nvPr/>
+        </p:nvSpPr>
+        <p:spPr>
+          <a:xfrm>
+            <a:off x="5709920" y="2696845"/>
+            <a:ext cx="5613400" cy="2306955"/>
+          </a:xfrm>
+          <a:prstGeom prst="rect">
+            <a:avLst/>
+          </a:prstGeom>
+          <a:noFill/>
+        </p:spPr>
+        <p:txBody>
+          <a:bodyPr wrap="square" rtlCol="0">
+            <a:spAutoFit/>
+          </a:bodyPr>
+          <a:p>
+            <a:r>
+              <a:rPr lang="zh-CN" altLang="en-US"/>
+              <a:t>2月13日，《中共中央 国务院关于做好2023年全面推进乡村振兴重点工作的意见》（以下简称《意见》）发布。这份2023年中央一号文件为全面推进乡村振兴指明了重点方向，释放出了重农强农的强烈信号。值得注意的是，《意见》要求，提升净菜、中央厨房等产业标准化和规范化水平，培育发展预制菜产业。这是预制菜自问世以来首次被写入中央一号文件，对此，业内反响十分热烈。</a:t>
+            </a:r>
+            <a:endParaRPr lang="zh-CN" altLang="en-US"/>
+          </a:p>
+        </p:txBody>
+      </p:sp>
+      <p:pic>
+        <p:nvPicPr>
+          <p:cNvPr id="14" name="图片 13"/>
+          <p:cNvPicPr>
+            <a:picLocks noChangeAspect="1"/>
+          </p:cNvPicPr>
+          <p:nvPr>
+            <p:custDataLst>
+              <p:tags r:id="rId9"/>
+            </p:custDataLst>
+          </p:nvPr>
+        </p:nvPicPr>
+        <p:blipFill>
+          <a:blip r:embed="rId10"/>
+          <a:stretch>
+            <a:fillRect/>
+          </a:stretch>
+        </p:blipFill>
+        <p:spPr>
+          <a:xfrm>
+            <a:off x="5020945" y="1329690"/>
+            <a:ext cx="6991985" cy="1090295"/>
+          </a:xfrm>
+          <a:prstGeom prst="rect">
+            <a:avLst/>
+          </a:prstGeom>
+        </p:spPr>
+      </p:pic>
+    </p:spTree>
+    <p:custDataLst>
+      <p:tags r:id="rId11"/>
+    </p:custDataLst>
+  </p:cSld>
+  <p:clrMapOvr>
+    <a:masterClrMapping/>
+  </p:clrMapOvr>
+  <mc:AlternateContent xmlns:mc="http://schemas.openxmlformats.org/markup-compatibility/2006">
+    <mc:Choice xmlns:p14="http://schemas.microsoft.com/office/powerpoint/2010/main" Requires="p14">
+      <p:transition p14:dur="500"/>
+    </mc:Choice>
+    <mc:Fallback>
+      <p:transition/>
+    </mc:Fallback>
+  </mc:AlternateContent>
+</p:sld>
+</file>
+
+<file path=ppt/slides/slide7.xml><?xml version="1.0" encoding="utf-8"?>
 <p:sld xmlns:a="http://schemas.openxmlformats.org/drawingml/2006/main" xmlns:r="http://schemas.openxmlformats.org/officeDocument/2006/relationships" xmlns:p="http://schemas.openxmlformats.org/presentationml/2006/main">
   <p:cSld>
     <p:spTree>
@@ -20764,7 +21485,7 @@
 </p:sld>
 </file>
 
-<file path=ppt/slides/slide7.xml><?xml version="1.0" encoding="utf-8"?>
+<file path=ppt/slides/slide8.xml><?xml version="1.0" encoding="utf-8"?>
 <p:sld xmlns:a="http://schemas.openxmlformats.org/drawingml/2006/main" xmlns:r="http://schemas.openxmlformats.org/officeDocument/2006/relationships" xmlns:p="http://schemas.openxmlformats.org/presentationml/2006/main">
   <p:cSld>
     <p:spTree>
@@ -21004,7 +21725,7 @@
                   <a:ea typeface="微软雅黑" panose="020B0503020204020204" charset="-122"/>
                   <a:sym typeface="+mn-ea"/>
                 </a:rPr>
-                <a:t>将预制菜的生产销售信息上链，因为区块链的不可篡改性和透明性，避免了生产信息造假，肆意篡改的问题，并且区块链上的消息是透明化的和公开的，消费者可以看到产品真实的生产原料，生产环境，食品生产日期，保质期等与消费者密切关注的安全问题相关的信息，提高用户对产品的信任度，让消费者们买地放心，吃地安心。此外消费者也可以对生产过程中存在的不合理的地方进行检举，将消息及时反馈给生产商或监管部门，提高用户的参与度。</a:t>
+                <a:t>将预制菜的生产信息上链，因为区块链的不可篡改性和透明性，避免了生产信息造假，肆意篡改的问题，并且区块链上的消息是透明化的和公开的，消费者可以看到产品真实的生产原料，生产环境，食品生产日期，保质期等与消费者密切关注的安全问题相关的信息，提高用户对产品的信任度，让消费者们买地放心，吃地安心。此外消费者也可以对生产过程中存在的不合理的地方进行检举，将消息及时反馈给生产商或监管部门，提高用户的参与度。</a:t>
               </a:r>
               <a:endParaRPr lang="zh-CN" altLang="en-US" sz="1400" spc="150">
                 <a:ea typeface="微软雅黑" panose="020B0503020204020204" charset="-122"/>
@@ -21128,7 +21849,7 @@
 </p:sld>
 </file>
 
-<file path=ppt/slides/slide8.xml><?xml version="1.0" encoding="utf-8"?>
+<file path=ppt/slides/slide9.xml><?xml version="1.0" encoding="utf-8"?>
 <p:sld xmlns:a="http://schemas.openxmlformats.org/drawingml/2006/main" xmlns:r="http://schemas.openxmlformats.org/officeDocument/2006/relationships" xmlns:p="http://schemas.openxmlformats.org/presentationml/2006/main">
   <p:cSld>
     <p:spTree>
@@ -21971,230 +22692,6 @@
 </p:sld>
 </file>
 
-<file path=ppt/slides/slide9.xml><?xml version="1.0" encoding="utf-8"?>
-<p:sld xmlns:a="http://schemas.openxmlformats.org/drawingml/2006/main" xmlns:r="http://schemas.openxmlformats.org/officeDocument/2006/relationships" xmlns:p="http://schemas.openxmlformats.org/presentationml/2006/main">
-  <p:cSld>
-    <p:bg>
-      <p:bgPr>
-        <a:solidFill>
-          <a:schemeClr val="tx2"/>
-        </a:solidFill>
-        <a:effectLst/>
-      </p:bgPr>
-    </p:bg>
-    <p:spTree>
-      <p:nvGrpSpPr>
-        <p:cNvPr id="1" name=""/>
-        <p:cNvGrpSpPr/>
-        <p:nvPr/>
-      </p:nvGrpSpPr>
-      <p:grpSpPr>
-        <a:xfrm>
-          <a:off x="0" y="0"/>
-          <a:ext cx="0" cy="0"/>
-          <a:chOff x="0" y="0"/>
-          <a:chExt cx="0" cy="0"/>
-        </a:xfrm>
-      </p:grpSpPr>
-      <p:sp>
-        <p:nvSpPr>
-          <p:cNvPr id="5" name="文本框 4"/>
-          <p:cNvSpPr txBox="1"/>
-          <p:nvPr>
-            <p:custDataLst>
-              <p:tags r:id="rId1"/>
-            </p:custDataLst>
-          </p:nvPr>
-        </p:nvSpPr>
-        <p:spPr>
-          <a:xfrm>
-            <a:off x="2292350" y="2983230"/>
-            <a:ext cx="1659890" cy="1106805"/>
-          </a:xfrm>
-          <a:prstGeom prst="rect">
-            <a:avLst/>
-          </a:prstGeom>
-          <a:noFill/>
-        </p:spPr>
-        <p:txBody>
-          <a:bodyPr wrap="square" rtlCol="0" anchor="ctr" anchorCtr="0">
-            <a:normAutofit/>
-          </a:bodyPr>
-          <a:lstStyle/>
-          <a:p>
-            <a:pPr algn="ctr"/>
-            <a:r>
-              <a:rPr lang="en-US" altLang="zh-CN" sz="6600" b="1" spc="200">
-                <a:solidFill>
-                  <a:schemeClr val="accent1"/>
-                </a:solidFill>
-                <a:latin typeface="Arial" panose="020B0604020202020204" pitchFamily="34" charset="0"/>
-                <a:ea typeface="微软雅黑" panose="020B0503020204020204" charset="-122"/>
-                <a:cs typeface="Arial" panose="020B0604020202020204" pitchFamily="34" charset="0"/>
-              </a:rPr>
-              <a:t>02</a:t>
-            </a:r>
-            <a:endParaRPr lang="en-US" altLang="zh-CN" sz="6600" b="1" spc="200">
-              <a:solidFill>
-                <a:schemeClr val="accent1"/>
-              </a:solidFill>
-              <a:latin typeface="Arial" panose="020B0604020202020204" pitchFamily="34" charset="0"/>
-              <a:ea typeface="微软雅黑" panose="020B0503020204020204" charset="-122"/>
-              <a:cs typeface="Arial" panose="020B0604020202020204" pitchFamily="34" charset="0"/>
-            </a:endParaRPr>
-          </a:p>
-        </p:txBody>
-      </p:sp>
-      <p:sp>
-        <p:nvSpPr>
-          <p:cNvPr id="7" name="文本框 6"/>
-          <p:cNvSpPr txBox="1"/>
-          <p:nvPr>
-            <p:custDataLst>
-              <p:tags r:id="rId2"/>
-            </p:custDataLst>
-          </p:nvPr>
-        </p:nvSpPr>
-        <p:spPr>
-          <a:xfrm>
-            <a:off x="2292350" y="2712085"/>
-            <a:ext cx="1659890" cy="338455"/>
-          </a:xfrm>
-          <a:prstGeom prst="rect">
-            <a:avLst/>
-          </a:prstGeom>
-          <a:noFill/>
-        </p:spPr>
-        <p:txBody>
-          <a:bodyPr wrap="square" lIns="0" tIns="0" rIns="0" bIns="0" rtlCol="0" anchor="b" anchorCtr="0">
-            <a:normAutofit/>
-          </a:bodyPr>
-          <a:lstStyle/>
-          <a:p>
-            <a:pPr algn="ctr"/>
-            <a:r>
-              <a:rPr lang="en-US" altLang="zh-CN" b="1" spc="200">
-                <a:solidFill>
-                  <a:schemeClr val="accent1"/>
-                </a:solidFill>
-                <a:latin typeface="Arial" panose="020B0604020202020204" pitchFamily="34" charset="0"/>
-                <a:ea typeface="微软雅黑" panose="020B0503020204020204" charset="-122"/>
-                <a:sym typeface="+mn-ea"/>
-              </a:rPr>
-              <a:t>PART ONE</a:t>
-            </a:r>
-            <a:endParaRPr lang="en-US" altLang="zh-CN" b="1" spc="200" dirty="0">
-              <a:solidFill>
-                <a:schemeClr val="accent1"/>
-              </a:solidFill>
-              <a:latin typeface="Arial" panose="020B0604020202020204" pitchFamily="34" charset="0"/>
-              <a:ea typeface="微软雅黑" panose="020B0503020204020204" charset="-122"/>
-              <a:sym typeface="+mn-ea"/>
-            </a:endParaRPr>
-          </a:p>
-        </p:txBody>
-      </p:sp>
-      <p:cxnSp>
-        <p:nvCxnSpPr>
-          <p:cNvPr id="12" name="直接连接符 11"/>
-          <p:cNvCxnSpPr/>
-          <p:nvPr>
-            <p:custDataLst>
-              <p:tags r:id="rId3"/>
-            </p:custDataLst>
-          </p:nvPr>
-        </p:nvCxnSpPr>
-        <p:spPr>
-          <a:xfrm>
-            <a:off x="2438400" y="4088765"/>
-            <a:ext cx="1367790" cy="0"/>
-          </a:xfrm>
-          <a:prstGeom prst="line">
-            <a:avLst/>
-          </a:prstGeom>
-          <a:noFill/>
-          <a:ln w="19050" cap="flat" cmpd="sng" algn="ctr">
-            <a:solidFill>
-              <a:schemeClr val="accent1"/>
-            </a:solidFill>
-            <a:prstDash val="solid"/>
-            <a:miter lim="800000"/>
-          </a:ln>
-          <a:effectLst/>
-        </p:spPr>
-      </p:cxnSp>
-      <p:sp>
-        <p:nvSpPr>
-          <p:cNvPr id="3" name="标题 2"/>
-          <p:cNvSpPr>
-            <a:spLocks noGrp="1"/>
-          </p:cNvSpPr>
-          <p:nvPr>
-            <p:ph type="ctrTitle" idx="14"/>
-            <p:custDataLst>
-              <p:tags r:id="rId4"/>
-            </p:custDataLst>
-          </p:nvPr>
-        </p:nvSpPr>
-        <p:spPr/>
-        <p:txBody>
-          <a:bodyPr>
-            <a:normAutofit/>
-          </a:bodyPr>
-          <a:lstStyle/>
-          <a:p>
-            <a:r>
-              <a:rPr lang="zh-CN" altLang="en-US"/>
-              <a:t>产品设计应用原则</a:t>
-            </a:r>
-            <a:endParaRPr lang="zh-CN" altLang="en-US"/>
-          </a:p>
-        </p:txBody>
-      </p:sp>
-      <p:sp>
-        <p:nvSpPr>
-          <p:cNvPr id="2" name="副标题 1"/>
-          <p:cNvSpPr>
-            <a:spLocks noGrp="1"/>
-          </p:cNvSpPr>
-          <p:nvPr>
-            <p:ph type="subTitle" idx="13"/>
-            <p:custDataLst>
-              <p:tags r:id="rId5"/>
-            </p:custDataLst>
-          </p:nvPr>
-        </p:nvSpPr>
-        <p:spPr/>
-        <p:txBody>
-          <a:bodyPr/>
-          <a:lstStyle/>
-          <a:p>
-            <a:pPr algn="ctr"/>
-            <a:r>
-              <a:rPr lang="zh-CN" altLang="en-US">
-                <a:latin typeface="楷体" panose="02010609060101010101" charset="-122"/>
-                <a:ea typeface="楷体" panose="02010609060101010101" charset="-122"/>
-              </a:rPr>
-              <a:t>我们的产品有不可打破的原则</a:t>
-            </a:r>
-            <a:endParaRPr lang="zh-CN" altLang="en-US">
-              <a:latin typeface="楷体" panose="02010609060101010101" charset="-122"/>
-              <a:ea typeface="楷体" panose="02010609060101010101" charset="-122"/>
-            </a:endParaRPr>
-          </a:p>
-        </p:txBody>
-      </p:sp>
-    </p:spTree>
-    <p:custDataLst>
-      <p:tags r:id="rId6"/>
-    </p:custDataLst>
-  </p:cSld>
-  <p:clrMapOvr>
-    <a:masterClrMapping/>
-  </p:clrMapOvr>
-</p:sld>
-</file>
-
 <file path=ppt/tags/tag1.xml><?xml version="1.0" encoding="utf-8"?>
 <p:tagLst xmlns:p="http://schemas.openxmlformats.org/presentationml/2006/main">
   <p:tag name="KSO_WM_SLIDE_BACKGROUND_MASK_FLAG" val="1"/>
@@ -23858,6 +24355,58 @@
   <p:tag name="KSO_WM_UNIT_DIAGRAM_ISNUMVISUAL" val="0"/>
   <p:tag name="KSO_WM_UNIT_DIAGRAM_ISREFERUNIT" val="0"/>
   <p:tag name="KSO_WM_UNIT_TYPE" val="i"/>
+  <p:tag name="KSO_WM_UNIT_INDEX" val="6"/>
+  <p:tag name="KSO_WM_UNIT_ID" val="diagram20201831_1*i*6"/>
+  <p:tag name="KSO_WM_TEMPLATE_CATEGORY" val="diagram"/>
+  <p:tag name="KSO_WM_TEMPLATE_INDEX" val="20201831"/>
+  <p:tag name="KSO_WM_UNIT_LAYERLEVEL" val="1"/>
+  <p:tag name="KSO_WM_TAG_VERSION" val="1.0"/>
+  <p:tag name="KSO_WM_BEAUTIFY_FLAG" val="#wm#"/>
+</p:tagLst>
+</file>
+
+<file path=ppt/tags/tag195.xml><?xml version="1.0" encoding="utf-8"?>
+<p:tagLst xmlns:p="http://schemas.openxmlformats.org/presentationml/2006/main">
+  <p:tag name="KSO_WM_UNIT_HIGHLIGHT" val="0"/>
+  <p:tag name="KSO_WM_UNIT_COMPATIBLE" val="0"/>
+  <p:tag name="KSO_WM_UNIT_DIAGRAM_ISNUMVISUAL" val="0"/>
+  <p:tag name="KSO_WM_UNIT_DIAGRAM_ISREFERUNIT" val="0"/>
+  <p:tag name="KSO_WM_UNIT_TYPE" val="i"/>
+  <p:tag name="KSO_WM_UNIT_INDEX" val="7"/>
+  <p:tag name="KSO_WM_UNIT_ID" val="diagram20201831_1*i*7"/>
+  <p:tag name="KSO_WM_TEMPLATE_CATEGORY" val="diagram"/>
+  <p:tag name="KSO_WM_TEMPLATE_INDEX" val="20201831"/>
+  <p:tag name="KSO_WM_UNIT_LAYERLEVEL" val="1"/>
+  <p:tag name="KSO_WM_TAG_VERSION" val="1.0"/>
+  <p:tag name="KSO_WM_BEAUTIFY_FLAG" val="#wm#"/>
+</p:tagLst>
+</file>
+
+<file path=ppt/tags/tag196.xml><?xml version="1.0" encoding="utf-8"?>
+<p:tagLst xmlns:p="http://schemas.openxmlformats.org/presentationml/2006/main">
+  <p:tag name="KSO_WM_UNIT_VALUE" val="1472*1205"/>
+  <p:tag name="KSO_WM_UNIT_HIGHLIGHT" val="0"/>
+  <p:tag name="KSO_WM_UNIT_COMPATIBLE" val="0"/>
+  <p:tag name="KSO_WM_UNIT_DIAGRAM_ISNUMVISUAL" val="0"/>
+  <p:tag name="KSO_WM_UNIT_DIAGRAM_ISREFERUNIT" val="0"/>
+  <p:tag name="KSO_WM_UNIT_TYPE" val="d"/>
+  <p:tag name="KSO_WM_UNIT_INDEX" val="1"/>
+  <p:tag name="KSO_WM_UNIT_ID" val="diagram20201831_1*d*1"/>
+  <p:tag name="KSO_WM_TEMPLATE_CATEGORY" val="diagram"/>
+  <p:tag name="KSO_WM_TEMPLATE_INDEX" val="20201831"/>
+  <p:tag name="KSO_WM_UNIT_LAYERLEVEL" val="1"/>
+  <p:tag name="KSO_WM_TAG_VERSION" val="1.0"/>
+  <p:tag name="KSO_WM_BEAUTIFY_FLAG" val="#wm#"/>
+</p:tagLst>
+</file>
+
+<file path=ppt/tags/tag197.xml><?xml version="1.0" encoding="utf-8"?>
+<p:tagLst xmlns:p="http://schemas.openxmlformats.org/presentationml/2006/main">
+  <p:tag name="KSO_WM_UNIT_HIGHLIGHT" val="0"/>
+  <p:tag name="KSO_WM_UNIT_COMPATIBLE" val="0"/>
+  <p:tag name="KSO_WM_UNIT_DIAGRAM_ISNUMVISUAL" val="0"/>
+  <p:tag name="KSO_WM_UNIT_DIAGRAM_ISREFERUNIT" val="0"/>
+  <p:tag name="KSO_WM_UNIT_TYPE" val="i"/>
   <p:tag name="KSO_WM_UNIT_INDEX" val="1"/>
   <p:tag name="KSO_WM_UNIT_ID" val="diagram20201831_1*i*1"/>
   <p:tag name="KSO_WM_TEMPLATE_CATEGORY" val="diagram"/>
@@ -23868,7 +24417,7 @@
 </p:tagLst>
 </file>
 
-<file path=ppt/tags/tag195.xml><?xml version="1.0" encoding="utf-8"?>
+<file path=ppt/tags/tag198.xml><?xml version="1.0" encoding="utf-8"?>
 <p:tagLst xmlns:p="http://schemas.openxmlformats.org/presentationml/2006/main">
   <p:tag name="KSO_WM_UNIT_HIGHLIGHT" val="0"/>
   <p:tag name="KSO_WM_UNIT_COMPATIBLE" val="0"/>
@@ -23885,7 +24434,7 @@
 </p:tagLst>
 </file>
 
-<file path=ppt/tags/tag196.xml><?xml version="1.0" encoding="utf-8"?>
+<file path=ppt/tags/tag199.xml><?xml version="1.0" encoding="utf-8"?>
 <p:tagLst xmlns:p="http://schemas.openxmlformats.org/presentationml/2006/main">
   <p:tag name="KSO_WM_UNIT_HIGHLIGHT" val="0"/>
   <p:tag name="KSO_WM_UNIT_COMPATIBLE" val="0"/>
@@ -23902,7 +24451,122 @@
 </p:tagLst>
 </file>
 
-<file path=ppt/tags/tag197.xml><?xml version="1.0" encoding="utf-8"?>
+<file path=ppt/tags/tag2.xml><?xml version="1.0" encoding="utf-8"?>
+<p:tagLst xmlns:p="http://schemas.openxmlformats.org/presentationml/2006/main">
+  <p:tag name="KSO_WM_SLIDE_BACKGROUND_MASK_FLAG" val="1"/>
+  <p:tag name="KSO_WM_UNIT_HIGHLIGHT" val="0"/>
+  <p:tag name="KSO_WM_UNIT_COMPATIBLE" val="0"/>
+  <p:tag name="KSO_WM_UNIT_DIAGRAM_ISNUMVISUAL" val="0"/>
+  <p:tag name="KSO_WM_UNIT_DIAGRAM_ISREFERUNIT" val="0"/>
+  <p:tag name="KSO_WM_UNIT_ID" val="_1**"/>
+  <p:tag name="KSO_WM_UNIT_LAYERLEVEL" val="1"/>
+  <p:tag name="KSO_WM_TAG_VERSION" val="1.0"/>
+  <p:tag name="KSO_WM_BEAUTIFY_FLAG" val="#wm#"/>
+</p:tagLst>
+</file>
+
+<file path=ppt/tags/tag20.xml><?xml version="1.0" encoding="utf-8"?>
+<p:tagLst xmlns:p="http://schemas.openxmlformats.org/presentationml/2006/main">
+  <p:tag name="KSO_WM_UNIT_HIGHLIGHT" val="0"/>
+  <p:tag name="KSO_WM_UNIT_COMPATIBLE" val="0"/>
+  <p:tag name="KSO_WM_UNIT_DIAGRAM_ISNUMVISUAL" val="0"/>
+  <p:tag name="KSO_WM_UNIT_DIAGRAM_ISREFERUNIT" val="0"/>
+  <p:tag name="KSO_WM_UNIT_ID" val="_3**"/>
+  <p:tag name="KSO_WM_UNIT_LAYERLEVEL" val="1"/>
+  <p:tag name="KSO_WM_TAG_VERSION" val="1.0"/>
+  <p:tag name="KSO_WM_BEAUTIFY_FLAG" val="#wm#"/>
+</p:tagLst>
+</file>
+
+<file path=ppt/tags/tag200.xml><?xml version="1.0" encoding="utf-8"?>
+<p:tagLst xmlns:p="http://schemas.openxmlformats.org/presentationml/2006/main">
+  <p:tag name="KSO_WM_UNIT_ISCONTENTSTITLE" val="0"/>
+  <p:tag name="KSO_WM_UNIT_ISNUMDGMTITLE" val="0"/>
+  <p:tag name="KSO_WM_UNIT_NOCLEAR" val="0"/>
+  <p:tag name="KSO_WM_UNIT_SHOW_EDIT_AREA_INDICATION" val="1"/>
+  <p:tag name="KSO_WM_UNIT_VALUE" val="18"/>
+  <p:tag name="KSO_WM_UNIT_HIGHLIGHT" val="0"/>
+  <p:tag name="KSO_WM_UNIT_COMPATIBLE" val="0"/>
+  <p:tag name="KSO_WM_UNIT_DIAGRAM_ISNUMVISUAL" val="0"/>
+  <p:tag name="KSO_WM_UNIT_DIAGRAM_ISREFERUNIT" val="0"/>
+  <p:tag name="KSO_WM_UNIT_TYPE" val="a"/>
+  <p:tag name="KSO_WM_UNIT_INDEX" val="1"/>
+  <p:tag name="KSO_WM_UNIT_ID" val="diagram20201831_1*a*1"/>
+  <p:tag name="KSO_WM_TEMPLATE_CATEGORY" val="diagram"/>
+  <p:tag name="KSO_WM_TEMPLATE_INDEX" val="20201831"/>
+  <p:tag name="KSO_WM_UNIT_LAYERLEVEL" val="1"/>
+  <p:tag name="KSO_WM_TAG_VERSION" val="1.0"/>
+  <p:tag name="KSO_WM_BEAUTIFY_FLAG" val=""/>
+  <p:tag name="KSO_WM_UNIT_PRESET_TEXT" val="单击此处添加标题"/>
+</p:tagLst>
+</file>
+
+<file path=ppt/tags/tag201.xml><?xml version="1.0" encoding="utf-8"?>
+<p:tagLst xmlns:p="http://schemas.openxmlformats.org/presentationml/2006/main">
+  <p:tag name="KSO_WM_BEAUTIFY_FLAG" val=""/>
+</p:tagLst>
+</file>
+
+<file path=ppt/tags/tag202.xml><?xml version="1.0" encoding="utf-8"?>
+<p:tagLst xmlns:p="http://schemas.openxmlformats.org/presentationml/2006/main">
+  <p:tag name="KSO_WM_BEAUTIFY_FLAG" val="#wm#"/>
+  <p:tag name="KSO_WM_TEMPLATE_CATEGORY" val="custom"/>
+  <p:tag name="KSO_WM_TEMPLATE_INDEX" val="20204613"/>
+</p:tagLst>
+</file>
+
+<file path=ppt/tags/tag203.xml><?xml version="1.0" encoding="utf-8"?>
+<p:tagLst xmlns:p="http://schemas.openxmlformats.org/presentationml/2006/main">
+  <p:tag name="KSO_WM_UNIT_HIGHLIGHT" val="0"/>
+  <p:tag name="KSO_WM_UNIT_COMPATIBLE" val="0"/>
+  <p:tag name="KSO_WM_UNIT_DIAGRAM_ISNUMVISUAL" val="0"/>
+  <p:tag name="KSO_WM_UNIT_DIAGRAM_ISREFERUNIT" val="0"/>
+  <p:tag name="KSO_WM_UNIT_TYPE" val="i"/>
+  <p:tag name="KSO_WM_UNIT_INDEX" val="1"/>
+  <p:tag name="KSO_WM_UNIT_ID" val="diagram20201831_1*i*1"/>
+  <p:tag name="KSO_WM_TEMPLATE_CATEGORY" val="diagram"/>
+  <p:tag name="KSO_WM_TEMPLATE_INDEX" val="20201831"/>
+  <p:tag name="KSO_WM_UNIT_LAYERLEVEL" val="1"/>
+  <p:tag name="KSO_WM_TAG_VERSION" val="1.0"/>
+  <p:tag name="KSO_WM_BEAUTIFY_FLAG" val="#wm#"/>
+</p:tagLst>
+</file>
+
+<file path=ppt/tags/tag204.xml><?xml version="1.0" encoding="utf-8"?>
+<p:tagLst xmlns:p="http://schemas.openxmlformats.org/presentationml/2006/main">
+  <p:tag name="KSO_WM_UNIT_HIGHLIGHT" val="0"/>
+  <p:tag name="KSO_WM_UNIT_COMPATIBLE" val="0"/>
+  <p:tag name="KSO_WM_UNIT_DIAGRAM_ISNUMVISUAL" val="0"/>
+  <p:tag name="KSO_WM_UNIT_DIAGRAM_ISREFERUNIT" val="0"/>
+  <p:tag name="KSO_WM_UNIT_TYPE" val="i"/>
+  <p:tag name="KSO_WM_UNIT_INDEX" val="2"/>
+  <p:tag name="KSO_WM_UNIT_ID" val="diagram20201831_1*i*2"/>
+  <p:tag name="KSO_WM_TEMPLATE_CATEGORY" val="diagram"/>
+  <p:tag name="KSO_WM_TEMPLATE_INDEX" val="20201831"/>
+  <p:tag name="KSO_WM_UNIT_LAYERLEVEL" val="1"/>
+  <p:tag name="KSO_WM_TAG_VERSION" val="1.0"/>
+  <p:tag name="KSO_WM_BEAUTIFY_FLAG" val="#wm#"/>
+</p:tagLst>
+</file>
+
+<file path=ppt/tags/tag205.xml><?xml version="1.0" encoding="utf-8"?>
+<p:tagLst xmlns:p="http://schemas.openxmlformats.org/presentationml/2006/main">
+  <p:tag name="KSO_WM_UNIT_HIGHLIGHT" val="0"/>
+  <p:tag name="KSO_WM_UNIT_COMPATIBLE" val="0"/>
+  <p:tag name="KSO_WM_UNIT_DIAGRAM_ISNUMVISUAL" val="0"/>
+  <p:tag name="KSO_WM_UNIT_DIAGRAM_ISREFERUNIT" val="0"/>
+  <p:tag name="KSO_WM_UNIT_TYPE" val="i"/>
+  <p:tag name="KSO_WM_UNIT_INDEX" val="3"/>
+  <p:tag name="KSO_WM_UNIT_ID" val="diagram20201831_1*i*3"/>
+  <p:tag name="KSO_WM_TEMPLATE_CATEGORY" val="diagram"/>
+  <p:tag name="KSO_WM_TEMPLATE_INDEX" val="20201831"/>
+  <p:tag name="KSO_WM_UNIT_LAYERLEVEL" val="1"/>
+  <p:tag name="KSO_WM_TAG_VERSION" val="1.0"/>
+  <p:tag name="KSO_WM_BEAUTIFY_FLAG" val="#wm#"/>
+</p:tagLst>
+</file>
+
+<file path=ppt/tags/tag206.xml><?xml version="1.0" encoding="utf-8"?>
 <p:tagLst xmlns:p="http://schemas.openxmlformats.org/presentationml/2006/main">
   <p:tag name="KSO_WM_UNIT_ISCONTENTSTITLE" val="0"/>
   <p:tag name="KSO_WM_UNIT_ISNUMDGMTITLE" val="0"/>
@@ -23925,7 +24589,7 @@
 </p:tagLst>
 </file>
 
-<file path=ppt/tags/tag198.xml><?xml version="1.0" encoding="utf-8"?>
+<file path=ppt/tags/tag207.xml><?xml version="1.0" encoding="utf-8"?>
 <p:tagLst xmlns:p="http://schemas.openxmlformats.org/presentationml/2006/main">
   <p:tag name="KSO_WM_UNIT_ISCONTENTSTITLE" val="0"/>
   <p:tag name="KSO_WM_UNIT_ISNUMDGMTITLE" val="0"/>
@@ -23948,7 +24612,7 @@
 </p:tagLst>
 </file>
 
-<file path=ppt/tags/tag199.xml><?xml version="1.0" encoding="utf-8"?>
+<file path=ppt/tags/tag208.xml><?xml version="1.0" encoding="utf-8"?>
 <p:tagLst xmlns:p="http://schemas.openxmlformats.org/presentationml/2006/main">
   <p:tag name="KSO_WM_UNIT_SUBTYPE" val="a"/>
   <p:tag name="KSO_WM_UNIT_NOCLEAR" val="0"/>
@@ -23970,34 +24634,7 @@
 </p:tagLst>
 </file>
 
-<file path=ppt/tags/tag2.xml><?xml version="1.0" encoding="utf-8"?>
-<p:tagLst xmlns:p="http://schemas.openxmlformats.org/presentationml/2006/main">
-  <p:tag name="KSO_WM_SLIDE_BACKGROUND_MASK_FLAG" val="1"/>
-  <p:tag name="KSO_WM_UNIT_HIGHLIGHT" val="0"/>
-  <p:tag name="KSO_WM_UNIT_COMPATIBLE" val="0"/>
-  <p:tag name="KSO_WM_UNIT_DIAGRAM_ISNUMVISUAL" val="0"/>
-  <p:tag name="KSO_WM_UNIT_DIAGRAM_ISREFERUNIT" val="0"/>
-  <p:tag name="KSO_WM_UNIT_ID" val="_1**"/>
-  <p:tag name="KSO_WM_UNIT_LAYERLEVEL" val="1"/>
-  <p:tag name="KSO_WM_TAG_VERSION" val="1.0"/>
-  <p:tag name="KSO_WM_BEAUTIFY_FLAG" val="#wm#"/>
-</p:tagLst>
-</file>
-
-<file path=ppt/tags/tag20.xml><?xml version="1.0" encoding="utf-8"?>
-<p:tagLst xmlns:p="http://schemas.openxmlformats.org/presentationml/2006/main">
-  <p:tag name="KSO_WM_UNIT_HIGHLIGHT" val="0"/>
-  <p:tag name="KSO_WM_UNIT_COMPATIBLE" val="0"/>
-  <p:tag name="KSO_WM_UNIT_DIAGRAM_ISNUMVISUAL" val="0"/>
-  <p:tag name="KSO_WM_UNIT_DIAGRAM_ISREFERUNIT" val="0"/>
-  <p:tag name="KSO_WM_UNIT_ID" val="_3**"/>
-  <p:tag name="KSO_WM_UNIT_LAYERLEVEL" val="1"/>
-  <p:tag name="KSO_WM_TAG_VERSION" val="1.0"/>
-  <p:tag name="KSO_WM_BEAUTIFY_FLAG" val="#wm#"/>
-</p:tagLst>
-</file>
-
-<file path=ppt/tags/tag200.xml><?xml version="1.0" encoding="utf-8"?>
+<file path=ppt/tags/tag209.xml><?xml version="1.0" encoding="utf-8"?>
 <p:tagLst xmlns:p="http://schemas.openxmlformats.org/presentationml/2006/main">
   <p:tag name="KSO_WM_UNIT_SUBTYPE" val="a"/>
   <p:tag name="KSO_WM_UNIT_NOCLEAR" val="0"/>
@@ -24019,13 +24656,26 @@
 </p:tagLst>
 </file>
 
-<file path=ppt/tags/tag201.xml><?xml version="1.0" encoding="utf-8"?>
+<file path=ppt/tags/tag21.xml><?xml version="1.0" encoding="utf-8"?>
+<p:tagLst xmlns:p="http://schemas.openxmlformats.org/presentationml/2006/main">
+  <p:tag name="KSO_WM_UNIT_HIGHLIGHT" val="0"/>
+  <p:tag name="KSO_WM_UNIT_COMPATIBLE" val="0"/>
+  <p:tag name="KSO_WM_UNIT_DIAGRAM_ISNUMVISUAL" val="0"/>
+  <p:tag name="KSO_WM_UNIT_DIAGRAM_ISREFERUNIT" val="0"/>
+  <p:tag name="KSO_WM_UNIT_ID" val="_3**"/>
+  <p:tag name="KSO_WM_UNIT_LAYERLEVEL" val="1"/>
+  <p:tag name="KSO_WM_TAG_VERSION" val="1.0"/>
+  <p:tag name="KSO_WM_BEAUTIFY_FLAG" val="#wm#"/>
+</p:tagLst>
+</file>
+
+<file path=ppt/tags/tag210.xml><?xml version="1.0" encoding="utf-8"?>
 <p:tagLst xmlns:p="http://schemas.openxmlformats.org/presentationml/2006/main">
   <p:tag name="KSO_WM_BEAUTIFY_FLAG" val=""/>
 </p:tagLst>
 </file>
 
-<file path=ppt/tags/tag202.xml><?xml version="1.0" encoding="utf-8"?>
+<file path=ppt/tags/tag211.xml><?xml version="1.0" encoding="utf-8"?>
 <p:tagLst xmlns:p="http://schemas.openxmlformats.org/presentationml/2006/main">
   <p:tag name="KSO_WM_BEAUTIFY_FLAG" val="#wm#"/>
   <p:tag name="KSO_WM_TEMPLATE_CATEGORY" val="custom"/>
@@ -24033,7 +24683,7 @@
 </p:tagLst>
 </file>
 
-<file path=ppt/tags/tag203.xml><?xml version="1.0" encoding="utf-8"?>
+<file path=ppt/tags/tag212.xml><?xml version="1.0" encoding="utf-8"?>
 <p:tagLst xmlns:p="http://schemas.openxmlformats.org/presentationml/2006/main">
   <p:tag name="KSO_WM_UNIT_HIGHLIGHT" val="0"/>
   <p:tag name="KSO_WM_UNIT_COMPATIBLE" val="0"/>
@@ -24050,7 +24700,7 @@
 </p:tagLst>
 </file>
 
-<file path=ppt/tags/tag204.xml><?xml version="1.0" encoding="utf-8"?>
+<file path=ppt/tags/tag213.xml><?xml version="1.0" encoding="utf-8"?>
 <p:tagLst xmlns:p="http://schemas.openxmlformats.org/presentationml/2006/main">
   <p:tag name="KSO_WM_UNIT_HIGHLIGHT" val="0"/>
   <p:tag name="KSO_WM_UNIT_COMPATIBLE" val="0"/>
@@ -24067,7 +24717,7 @@
 </p:tagLst>
 </file>
 
-<file path=ppt/tags/tag205.xml><?xml version="1.0" encoding="utf-8"?>
+<file path=ppt/tags/tag214.xml><?xml version="1.0" encoding="utf-8"?>
 <p:tagLst xmlns:p="http://schemas.openxmlformats.org/presentationml/2006/main">
   <p:tag name="KSO_WM_UNIT_HIGHLIGHT" val="0"/>
   <p:tag name="KSO_WM_UNIT_COMPATIBLE" val="0"/>
@@ -24084,7 +24734,7 @@
 </p:tagLst>
 </file>
 
-<file path=ppt/tags/tag206.xml><?xml version="1.0" encoding="utf-8"?>
+<file path=ppt/tags/tag215.xml><?xml version="1.0" encoding="utf-8"?>
 <p:tagLst xmlns:p="http://schemas.openxmlformats.org/presentationml/2006/main">
   <p:tag name="KSO_WM_UNIT_ISCONTENTSTITLE" val="0"/>
   <p:tag name="KSO_WM_UNIT_ISNUMDGMTITLE" val="0"/>
@@ -24107,7 +24757,7 @@
 </p:tagLst>
 </file>
 
-<file path=ppt/tags/tag207.xml><?xml version="1.0" encoding="utf-8"?>
+<file path=ppt/tags/tag216.xml><?xml version="1.0" encoding="utf-8"?>
 <p:tagLst xmlns:p="http://schemas.openxmlformats.org/presentationml/2006/main">
   <p:tag name="KSO_WM_UNIT_SUBTYPE" val="a"/>
   <p:tag name="KSO_WM_UNIT_NOCLEAR" val="0"/>
@@ -24129,13 +24779,13 @@
 </p:tagLst>
 </file>
 
-<file path=ppt/tags/tag208.xml><?xml version="1.0" encoding="utf-8"?>
+<file path=ppt/tags/tag217.xml><?xml version="1.0" encoding="utf-8"?>
 <p:tagLst xmlns:p="http://schemas.openxmlformats.org/presentationml/2006/main">
   <p:tag name="KSO_WM_BEAUTIFY_FLAG" val=""/>
 </p:tagLst>
 </file>
 
-<file path=ppt/tags/tag209.xml><?xml version="1.0" encoding="utf-8"?>
+<file path=ppt/tags/tag218.xml><?xml version="1.0" encoding="utf-8"?>
 <p:tagLst xmlns:p="http://schemas.openxmlformats.org/presentationml/2006/main">
   <p:tag name="KSO_WM_BEAUTIFY_FLAG" val="#wm#"/>
   <p:tag name="KSO_WM_TEMPLATE_CATEGORY" val="custom"/>
@@ -24143,20 +24793,7 @@
 </p:tagLst>
 </file>
 
-<file path=ppt/tags/tag21.xml><?xml version="1.0" encoding="utf-8"?>
-<p:tagLst xmlns:p="http://schemas.openxmlformats.org/presentationml/2006/main">
-  <p:tag name="KSO_WM_UNIT_HIGHLIGHT" val="0"/>
-  <p:tag name="KSO_WM_UNIT_COMPATIBLE" val="0"/>
-  <p:tag name="KSO_WM_UNIT_DIAGRAM_ISNUMVISUAL" val="0"/>
-  <p:tag name="KSO_WM_UNIT_DIAGRAM_ISREFERUNIT" val="0"/>
-  <p:tag name="KSO_WM_UNIT_ID" val="_3**"/>
-  <p:tag name="KSO_WM_UNIT_LAYERLEVEL" val="1"/>
-  <p:tag name="KSO_WM_TAG_VERSION" val="1.0"/>
-  <p:tag name="KSO_WM_BEAUTIFY_FLAG" val="#wm#"/>
-</p:tagLst>
-</file>
-
-<file path=ppt/tags/tag210.xml><?xml version="1.0" encoding="utf-8"?>
+<file path=ppt/tags/tag219.xml><?xml version="1.0" encoding="utf-8"?>
 <p:tagLst xmlns:p="http://schemas.openxmlformats.org/presentationml/2006/main">
   <p:tag name="KSO_WM_UNIT_HIGHLIGHT" val="0"/>
   <p:tag name="KSO_WM_UNIT_COMPATIBLE" val="0"/>
@@ -24174,7 +24811,20 @@
 </p:tagLst>
 </file>
 
-<file path=ppt/tags/tag211.xml><?xml version="1.0" encoding="utf-8"?>
+<file path=ppt/tags/tag22.xml><?xml version="1.0" encoding="utf-8"?>
+<p:tagLst xmlns:p="http://schemas.openxmlformats.org/presentationml/2006/main">
+  <p:tag name="KSO_WM_UNIT_HIGHLIGHT" val="0"/>
+  <p:tag name="KSO_WM_UNIT_COMPATIBLE" val="0"/>
+  <p:tag name="KSO_WM_UNIT_DIAGRAM_ISNUMVISUAL" val="0"/>
+  <p:tag name="KSO_WM_UNIT_DIAGRAM_ISREFERUNIT" val="0"/>
+  <p:tag name="KSO_WM_UNIT_ID" val="_4**"/>
+  <p:tag name="KSO_WM_UNIT_LAYERLEVEL" val="1"/>
+  <p:tag name="KSO_WM_TAG_VERSION" val="1.0"/>
+  <p:tag name="KSO_WM_BEAUTIFY_FLAG" val="#wm#"/>
+</p:tagLst>
+</file>
+
+<file path=ppt/tags/tag220.xml><?xml version="1.0" encoding="utf-8"?>
 <p:tagLst xmlns:p="http://schemas.openxmlformats.org/presentationml/2006/main">
   <p:tag name="KSO_WM_UNIT_HIGHLIGHT" val="0"/>
   <p:tag name="KSO_WM_UNIT_COMPATIBLE" val="0"/>
@@ -24192,7 +24842,7 @@
 </p:tagLst>
 </file>
 
-<file path=ppt/tags/tag212.xml><?xml version="1.0" encoding="utf-8"?>
+<file path=ppt/tags/tag221.xml><?xml version="1.0" encoding="utf-8"?>
 <p:tagLst xmlns:p="http://schemas.openxmlformats.org/presentationml/2006/main">
   <p:tag name="KSO_WM_UNIT_HIGHLIGHT" val="0"/>
   <p:tag name="KSO_WM_UNIT_COMPATIBLE" val="0"/>
@@ -24210,7 +24860,7 @@
 </p:tagLst>
 </file>
 
-<file path=ppt/tags/tag213.xml><?xml version="1.0" encoding="utf-8"?>
+<file path=ppt/tags/tag222.xml><?xml version="1.0" encoding="utf-8"?>
 <p:tagLst xmlns:p="http://schemas.openxmlformats.org/presentationml/2006/main">
   <p:tag name="KSO_WM_UNIT_HIGHLIGHT" val="0"/>
   <p:tag name="KSO_WM_UNIT_COMPATIBLE" val="0"/>
@@ -24228,7 +24878,7 @@
 </p:tagLst>
 </file>
 
-<file path=ppt/tags/tag214.xml><?xml version="1.0" encoding="utf-8"?>
+<file path=ppt/tags/tag223.xml><?xml version="1.0" encoding="utf-8"?>
 <p:tagLst xmlns:p="http://schemas.openxmlformats.org/presentationml/2006/main">
   <p:tag name="KSO_WM_UNIT_SUBTYPE" val="a"/>
   <p:tag name="KSO_WM_UNIT_NOCLEAR" val="0"/>
@@ -24250,7 +24900,7 @@
 </p:tagLst>
 </file>
 
-<file path=ppt/tags/tag215.xml><?xml version="1.0" encoding="utf-8"?>
+<file path=ppt/tags/tag224.xml><?xml version="1.0" encoding="utf-8"?>
 <p:tagLst xmlns:p="http://schemas.openxmlformats.org/presentationml/2006/main">
   <p:tag name="KSO_WM_UNIT_SUBTYPE" val="a"/>
   <p:tag name="KSO_WM_UNIT_NOCLEAR" val="0"/>
@@ -24272,7 +24922,7 @@
 </p:tagLst>
 </file>
 
-<file path=ppt/tags/tag216.xml><?xml version="1.0" encoding="utf-8"?>
+<file path=ppt/tags/tag225.xml><?xml version="1.0" encoding="utf-8"?>
 <p:tagLst xmlns:p="http://schemas.openxmlformats.org/presentationml/2006/main">
   <p:tag name="KSO_WM_UNIT_HIGHLIGHT" val="0"/>
   <p:tag name="KSO_WM_UNIT_COMPATIBLE" val="0"/>
@@ -24290,7 +24940,7 @@
 </p:tagLst>
 </file>
 
-<file path=ppt/tags/tag217.xml><?xml version="1.0" encoding="utf-8"?>
+<file path=ppt/tags/tag226.xml><?xml version="1.0" encoding="utf-8"?>
 <p:tagLst xmlns:p="http://schemas.openxmlformats.org/presentationml/2006/main">
   <p:tag name="KSO_WM_UNIT_ISCONTENTSTITLE" val="0"/>
   <p:tag name="KSO_WM_UNIT_ISNUMDGMTITLE" val="0"/>
@@ -24313,7 +24963,7 @@
 </p:tagLst>
 </file>
 
-<file path=ppt/tags/tag218.xml><?xml version="1.0" encoding="utf-8"?>
+<file path=ppt/tags/tag227.xml><?xml version="1.0" encoding="utf-8"?>
 <p:tagLst xmlns:p="http://schemas.openxmlformats.org/presentationml/2006/main">
   <p:tag name="KSO_WM_UNIT_HIGHLIGHT" val="0"/>
   <p:tag name="KSO_WM_UNIT_COMPATIBLE" val="0"/>
@@ -24331,7 +24981,7 @@
 </p:tagLst>
 </file>
 
-<file path=ppt/tags/tag219.xml><?xml version="1.0" encoding="utf-8"?>
+<file path=ppt/tags/tag228.xml><?xml version="1.0" encoding="utf-8"?>
 <p:tagLst xmlns:p="http://schemas.openxmlformats.org/presentationml/2006/main">
   <p:tag name="KSO_WM_UNIT_SUBTYPE" val="a"/>
   <p:tag name="KSO_WM_UNIT_NOCLEAR" val="0"/>
@@ -24353,7 +25003,15 @@
 </p:tagLst>
 </file>
 
-<file path=ppt/tags/tag22.xml><?xml version="1.0" encoding="utf-8"?>
+<file path=ppt/tags/tag229.xml><?xml version="1.0" encoding="utf-8"?>
+<p:tagLst xmlns:p="http://schemas.openxmlformats.org/presentationml/2006/main">
+  <p:tag name="KSO_WM_BEAUTIFY_FLAG" val="#wm#"/>
+  <p:tag name="KSO_WM_TEMPLATE_CATEGORY" val="custom"/>
+  <p:tag name="KSO_WM_TEMPLATE_INDEX" val="20204613"/>
+</p:tagLst>
+</file>
+
+<file path=ppt/tags/tag23.xml><?xml version="1.0" encoding="utf-8"?>
 <p:tagLst xmlns:p="http://schemas.openxmlformats.org/presentationml/2006/main">
   <p:tag name="KSO_WM_UNIT_HIGHLIGHT" val="0"/>
   <p:tag name="KSO_WM_UNIT_COMPATIBLE" val="0"/>
@@ -24366,15 +25024,7 @@
 </p:tagLst>
 </file>
 
-<file path=ppt/tags/tag220.xml><?xml version="1.0" encoding="utf-8"?>
-<p:tagLst xmlns:p="http://schemas.openxmlformats.org/presentationml/2006/main">
-  <p:tag name="KSO_WM_BEAUTIFY_FLAG" val="#wm#"/>
-  <p:tag name="KSO_WM_TEMPLATE_CATEGORY" val="custom"/>
-  <p:tag name="KSO_WM_TEMPLATE_INDEX" val="20204613"/>
-</p:tagLst>
-</file>
-
-<file path=ppt/tags/tag221.xml><?xml version="1.0" encoding="utf-8"?>
+<file path=ppt/tags/tag230.xml><?xml version="1.0" encoding="utf-8"?>
 <p:tagLst xmlns:p="http://schemas.openxmlformats.org/presentationml/2006/main">
   <p:tag name="KSO_WM_UNIT_NOCLEAR" val="0"/>
   <p:tag name="KSO_WM_UNIT_VALUE" val="1"/>
@@ -24394,7 +25044,7 @@
 </p:tagLst>
 </file>
 
-<file path=ppt/tags/tag222.xml><?xml version="1.0" encoding="utf-8"?>
+<file path=ppt/tags/tag231.xml><?xml version="1.0" encoding="utf-8"?>
 <p:tagLst xmlns:p="http://schemas.openxmlformats.org/presentationml/2006/main">
   <p:tag name="KSO_WM_UNIT_NOCLEAR" val="0"/>
   <p:tag name="KSO_WM_UNIT_SHOW_EDIT_AREA_INDICATION" val="0"/>
@@ -24413,7 +25063,7 @@
 </p:tagLst>
 </file>
 
-<file path=ppt/tags/tag223.xml><?xml version="1.0" encoding="utf-8"?>
+<file path=ppt/tags/tag232.xml><?xml version="1.0" encoding="utf-8"?>
 <p:tagLst xmlns:p="http://schemas.openxmlformats.org/presentationml/2006/main">
   <p:tag name="KSO_WM_UNIT_HIGHLIGHT" val="0"/>
   <p:tag name="KSO_WM_UNIT_COMPATIBLE" val="0"/>
@@ -24430,7 +25080,7 @@
 </p:tagLst>
 </file>
 
-<file path=ppt/tags/tag224.xml><?xml version="1.0" encoding="utf-8"?>
+<file path=ppt/tags/tag233.xml><?xml version="1.0" encoding="utf-8"?>
 <p:tagLst xmlns:p="http://schemas.openxmlformats.org/presentationml/2006/main">
   <p:tag name="KSO_WM_UNIT_ISCONTENTSTITLE" val="0"/>
   <p:tag name="KSO_WM_UNIT_NOCLEAR" val="0"/>
@@ -24451,7 +25101,7 @@
 </p:tagLst>
 </file>
 
-<file path=ppt/tags/tag225.xml><?xml version="1.0" encoding="utf-8"?>
+<file path=ppt/tags/tag234.xml><?xml version="1.0" encoding="utf-8"?>
 <p:tagLst xmlns:p="http://schemas.openxmlformats.org/presentationml/2006/main">
   <p:tag name="KSO_WM_UNIT_ISCONTENTSTITLE" val="0"/>
   <p:tag name="KSO_WM_UNIT_NOCLEAR" val="0"/>
@@ -24472,7 +25122,7 @@
 </p:tagLst>
 </file>
 
-<file path=ppt/tags/tag226.xml><?xml version="1.0" encoding="utf-8"?>
+<file path=ppt/tags/tag235.xml><?xml version="1.0" encoding="utf-8"?>
 <p:tagLst xmlns:p="http://schemas.openxmlformats.org/presentationml/2006/main">
   <p:tag name="KSO_WM_SLIDE_ID" val="custom20204613_7"/>
   <p:tag name="KSO_WM_TEMPLATE_SUBCATEGORY" val="0"/>
@@ -24491,7 +25141,7 @@
 </p:tagLst>
 </file>
 
-<file path=ppt/tags/tag227.xml><?xml version="1.0" encoding="utf-8"?>
+<file path=ppt/tags/tag236.xml><?xml version="1.0" encoding="utf-8"?>
 <p:tagLst xmlns:p="http://schemas.openxmlformats.org/presentationml/2006/main">
   <p:tag name="KSO_WM_UNIT_HIGHLIGHT" val="0"/>
   <p:tag name="KSO_WM_UNIT_COMPATIBLE" val="0"/>
@@ -24513,7 +25163,7 @@
 </p:tagLst>
 </file>
 
-<file path=ppt/tags/tag228.xml><?xml version="1.0" encoding="utf-8"?>
+<file path=ppt/tags/tag237.xml><?xml version="1.0" encoding="utf-8"?>
 <p:tagLst xmlns:p="http://schemas.openxmlformats.org/presentationml/2006/main">
   <p:tag name="KSO_WM_UNIT_ISCONTENTSTITLE" val="0"/>
   <p:tag name="KSO_WM_UNIT_ISNUMDGMTITLE" val="0"/>
@@ -24540,7 +25190,7 @@
 </p:tagLst>
 </file>
 
-<file path=ppt/tags/tag229.xml><?xml version="1.0" encoding="utf-8"?>
+<file path=ppt/tags/tag238.xml><?xml version="1.0" encoding="utf-8"?>
 <p:tagLst xmlns:p="http://schemas.openxmlformats.org/presentationml/2006/main">
   <p:tag name="KSO_WM_UNIT_HIGHLIGHT" val="0"/>
   <p:tag name="KSO_WM_UNIT_COMPATIBLE" val="0"/>
@@ -24562,20 +25212,7 @@
 </p:tagLst>
 </file>
 
-<file path=ppt/tags/tag23.xml><?xml version="1.0" encoding="utf-8"?>
-<p:tagLst xmlns:p="http://schemas.openxmlformats.org/presentationml/2006/main">
-  <p:tag name="KSO_WM_UNIT_HIGHLIGHT" val="0"/>
-  <p:tag name="KSO_WM_UNIT_COMPATIBLE" val="0"/>
-  <p:tag name="KSO_WM_UNIT_DIAGRAM_ISNUMVISUAL" val="0"/>
-  <p:tag name="KSO_WM_UNIT_DIAGRAM_ISREFERUNIT" val="0"/>
-  <p:tag name="KSO_WM_UNIT_ID" val="_4**"/>
-  <p:tag name="KSO_WM_UNIT_LAYERLEVEL" val="1"/>
-  <p:tag name="KSO_WM_TAG_VERSION" val="1.0"/>
-  <p:tag name="KSO_WM_BEAUTIFY_FLAG" val="#wm#"/>
-</p:tagLst>
-</file>
-
-<file path=ppt/tags/tag230.xml><?xml version="1.0" encoding="utf-8"?>
+<file path=ppt/tags/tag239.xml><?xml version="1.0" encoding="utf-8"?>
 <p:tagLst xmlns:p="http://schemas.openxmlformats.org/presentationml/2006/main">
   <p:tag name="KSO_WM_UNIT_ISCONTENTSTITLE" val="0"/>
   <p:tag name="KSO_WM_UNIT_ISNUMDGMTITLE" val="0"/>
@@ -24602,7 +25239,20 @@
 </p:tagLst>
 </file>
 
-<file path=ppt/tags/tag231.xml><?xml version="1.0" encoding="utf-8"?>
+<file path=ppt/tags/tag24.xml><?xml version="1.0" encoding="utf-8"?>
+<p:tagLst xmlns:p="http://schemas.openxmlformats.org/presentationml/2006/main">
+  <p:tag name="KSO_WM_UNIT_HIGHLIGHT" val="0"/>
+  <p:tag name="KSO_WM_UNIT_COMPATIBLE" val="0"/>
+  <p:tag name="KSO_WM_UNIT_DIAGRAM_ISNUMVISUAL" val="0"/>
+  <p:tag name="KSO_WM_UNIT_DIAGRAM_ISREFERUNIT" val="0"/>
+  <p:tag name="KSO_WM_UNIT_ID" val="_4**"/>
+  <p:tag name="KSO_WM_UNIT_LAYERLEVEL" val="1"/>
+  <p:tag name="KSO_WM_TAG_VERSION" val="1.0"/>
+  <p:tag name="KSO_WM_BEAUTIFY_FLAG" val="#wm#"/>
+</p:tagLst>
+</file>
+
+<file path=ppt/tags/tag240.xml><?xml version="1.0" encoding="utf-8"?>
 <p:tagLst xmlns:p="http://schemas.openxmlformats.org/presentationml/2006/main">
   <p:tag name="KSO_WM_UNIT_HIGHLIGHT" val="0"/>
   <p:tag name="KSO_WM_UNIT_COMPATIBLE" val="0"/>
@@ -24624,7 +25274,7 @@
 </p:tagLst>
 </file>
 
-<file path=ppt/tags/tag232.xml><?xml version="1.0" encoding="utf-8"?>
+<file path=ppt/tags/tag241.xml><?xml version="1.0" encoding="utf-8"?>
 <p:tagLst xmlns:p="http://schemas.openxmlformats.org/presentationml/2006/main">
   <p:tag name="KSO_WM_UNIT_ISCONTENTSTITLE" val="0"/>
   <p:tag name="KSO_WM_UNIT_ISNUMDGMTITLE" val="0"/>
@@ -24651,7 +25301,7 @@
 </p:tagLst>
 </file>
 
-<file path=ppt/tags/tag233.xml><?xml version="1.0" encoding="utf-8"?>
+<file path=ppt/tags/tag242.xml><?xml version="1.0" encoding="utf-8"?>
 <p:tagLst xmlns:p="http://schemas.openxmlformats.org/presentationml/2006/main">
   <p:tag name="KSO_WM_UNIT_HIGHLIGHT" val="0"/>
   <p:tag name="KSO_WM_UNIT_COMPATIBLE" val="0"/>
@@ -24673,7 +25323,7 @@
 </p:tagLst>
 </file>
 
-<file path=ppt/tags/tag234.xml><?xml version="1.0" encoding="utf-8"?>
+<file path=ppt/tags/tag243.xml><?xml version="1.0" encoding="utf-8"?>
 <p:tagLst xmlns:p="http://schemas.openxmlformats.org/presentationml/2006/main">
   <p:tag name="KSO_WM_UNIT_ISCONTENTSTITLE" val="0"/>
   <p:tag name="KSO_WM_UNIT_ISNUMDGMTITLE" val="0"/>
@@ -24700,7 +25350,7 @@
 </p:tagLst>
 </file>
 
-<file path=ppt/tags/tag235.xml><?xml version="1.0" encoding="utf-8"?>
+<file path=ppt/tags/tag244.xml><?xml version="1.0" encoding="utf-8"?>
 <p:tagLst xmlns:p="http://schemas.openxmlformats.org/presentationml/2006/main">
   <p:tag name="KSO_WM_UNIT_HIGHLIGHT" val="0"/>
   <p:tag name="KSO_WM_UNIT_COMPATIBLE" val="0"/>
@@ -24722,7 +25372,7 @@
 </p:tagLst>
 </file>
 
-<file path=ppt/tags/tag236.xml><?xml version="1.0" encoding="utf-8"?>
+<file path=ppt/tags/tag245.xml><?xml version="1.0" encoding="utf-8"?>
 <p:tagLst xmlns:p="http://schemas.openxmlformats.org/presentationml/2006/main">
   <p:tag name="KSO_WM_BEAUTIFY_FLAG" val="#wm#"/>
   <p:tag name="KSO_WM_TEMPLATE_CATEGORY" val="custom"/>
@@ -24730,25 +25380,31 @@
 </p:tagLst>
 </file>
 
-<file path=ppt/tags/tag237.xml><?xml version="1.0" encoding="utf-8"?>
+<file path=ppt/tags/tag246.xml><?xml version="1.0" encoding="utf-8"?>
 <p:tagLst xmlns:p="http://schemas.openxmlformats.org/presentationml/2006/main">
   <p:tag name="KSO_WM_BEAUTIFY_FLAG" val=""/>
 </p:tagLst>
 </file>
 
-<file path=ppt/tags/tag238.xml><?xml version="1.0" encoding="utf-8"?>
+<file path=ppt/tags/tag247.xml><?xml version="1.0" encoding="utf-8"?>
 <p:tagLst xmlns:p="http://schemas.openxmlformats.org/presentationml/2006/main">
   <p:tag name="KSO_WM_BEAUTIFY_FLAG" val=""/>
 </p:tagLst>
 </file>
 
-<file path=ppt/tags/tag239.xml><?xml version="1.0" encoding="utf-8"?>
+<file path=ppt/tags/tag248.xml><?xml version="1.0" encoding="utf-8"?>
 <p:tagLst xmlns:p="http://schemas.openxmlformats.org/presentationml/2006/main">
   <p:tag name="KSO_WM_BEAUTIFY_FLAG" val=""/>
 </p:tagLst>
 </file>
 
-<file path=ppt/tags/tag24.xml><?xml version="1.0" encoding="utf-8"?>
+<file path=ppt/tags/tag249.xml><?xml version="1.0" encoding="utf-8"?>
+<p:tagLst xmlns:p="http://schemas.openxmlformats.org/presentationml/2006/main">
+  <p:tag name="KSO_WM_BEAUTIFY_FLAG" val=""/>
+</p:tagLst>
+</file>
+
+<file path=ppt/tags/tag25.xml><?xml version="1.0" encoding="utf-8"?>
 <p:tagLst xmlns:p="http://schemas.openxmlformats.org/presentationml/2006/main">
   <p:tag name="KSO_WM_UNIT_HIGHLIGHT" val="0"/>
   <p:tag name="KSO_WM_UNIT_COMPATIBLE" val="0"/>
@@ -24761,19 +25417,13 @@
 </p:tagLst>
 </file>
 
-<file path=ppt/tags/tag240.xml><?xml version="1.0" encoding="utf-8"?>
+<file path=ppt/tags/tag250.xml><?xml version="1.0" encoding="utf-8"?>
 <p:tagLst xmlns:p="http://schemas.openxmlformats.org/presentationml/2006/main">
   <p:tag name="KSO_WM_BEAUTIFY_FLAG" val=""/>
 </p:tagLst>
 </file>
 
-<file path=ppt/tags/tag241.xml><?xml version="1.0" encoding="utf-8"?>
-<p:tagLst xmlns:p="http://schemas.openxmlformats.org/presentationml/2006/main">
-  <p:tag name="KSO_WM_BEAUTIFY_FLAG" val=""/>
-</p:tagLst>
-</file>
-
-<file path=ppt/tags/tag242.xml><?xml version="1.0" encoding="utf-8"?>
+<file path=ppt/tags/tag251.xml><?xml version="1.0" encoding="utf-8"?>
 <p:tagLst xmlns:p="http://schemas.openxmlformats.org/presentationml/2006/main">
   <p:tag name="KSO_WM_UNIT_NOCLEAR" val="0"/>
   <p:tag name="KSO_WM_UNIT_VALUE" val="1"/>
@@ -24793,7 +25443,7 @@
 </p:tagLst>
 </file>
 
-<file path=ppt/tags/tag243.xml><?xml version="1.0" encoding="utf-8"?>
+<file path=ppt/tags/tag252.xml><?xml version="1.0" encoding="utf-8"?>
 <p:tagLst xmlns:p="http://schemas.openxmlformats.org/presentationml/2006/main">
   <p:tag name="KSO_WM_UNIT_NOCLEAR" val="0"/>
   <p:tag name="KSO_WM_UNIT_SHOW_EDIT_AREA_INDICATION" val="0"/>
@@ -24812,7 +25462,7 @@
 </p:tagLst>
 </file>
 
-<file path=ppt/tags/tag244.xml><?xml version="1.0" encoding="utf-8"?>
+<file path=ppt/tags/tag253.xml><?xml version="1.0" encoding="utf-8"?>
 <p:tagLst xmlns:p="http://schemas.openxmlformats.org/presentationml/2006/main">
   <p:tag name="KSO_WM_UNIT_HIGHLIGHT" val="0"/>
   <p:tag name="KSO_WM_UNIT_COMPATIBLE" val="0"/>
@@ -24829,7 +25479,7 @@
 </p:tagLst>
 </file>
 
-<file path=ppt/tags/tag245.xml><?xml version="1.0" encoding="utf-8"?>
+<file path=ppt/tags/tag254.xml><?xml version="1.0" encoding="utf-8"?>
 <p:tagLst xmlns:p="http://schemas.openxmlformats.org/presentationml/2006/main">
   <p:tag name="KSO_WM_UNIT_ISCONTENTSTITLE" val="0"/>
   <p:tag name="KSO_WM_UNIT_NOCLEAR" val="0"/>
@@ -24850,7 +25500,7 @@
 </p:tagLst>
 </file>
 
-<file path=ppt/tags/tag246.xml><?xml version="1.0" encoding="utf-8"?>
+<file path=ppt/tags/tag255.xml><?xml version="1.0" encoding="utf-8"?>
 <p:tagLst xmlns:p="http://schemas.openxmlformats.org/presentationml/2006/main">
   <p:tag name="KSO_WM_UNIT_ISCONTENTSTITLE" val="0"/>
   <p:tag name="KSO_WM_UNIT_NOCLEAR" val="0"/>
@@ -24871,7 +25521,7 @@
 </p:tagLst>
 </file>
 
-<file path=ppt/tags/tag247.xml><?xml version="1.0" encoding="utf-8"?>
+<file path=ppt/tags/tag256.xml><?xml version="1.0" encoding="utf-8"?>
 <p:tagLst xmlns:p="http://schemas.openxmlformats.org/presentationml/2006/main">
   <p:tag name="KSO_WM_SLIDE_ID" val="custom20204613_7"/>
   <p:tag name="KSO_WM_TEMPLATE_SUBCATEGORY" val="0"/>
@@ -24890,19 +25540,25 @@
 </p:tagLst>
 </file>
 
-<file path=ppt/tags/tag248.xml><?xml version="1.0" encoding="utf-8"?>
+<file path=ppt/tags/tag257.xml><?xml version="1.0" encoding="utf-8"?>
+<p:tagLst xmlns:p="http://schemas.openxmlformats.org/presentationml/2006/main">
+  <p:tag name="KSO_WM_BEAUTIFY_FLAG" val=""/>
+</p:tagLst>
+</file>
+
+<file path=ppt/tags/tag258.xml><?xml version="1.0" encoding="utf-8"?>
 <p:tagLst xmlns:p="http://schemas.openxmlformats.org/presentationml/2006/main">
   <p:tag name="KSO_WEBWPP_OBJECT_TOKEN" val="PLAY_INK_1698927937302"/>
 </p:tagLst>
 </file>
 
-<file path=ppt/tags/tag249.xml><?xml version="1.0" encoding="utf-8"?>
+<file path=ppt/tags/tag259.xml><?xml version="1.0" encoding="utf-8"?>
 <p:tagLst xmlns:p="http://schemas.openxmlformats.org/presentationml/2006/main">
   <p:tag name="KSO_WEBWPP_OBJECT_TOKEN" val="PLAY_INK_1698927937302"/>
 </p:tagLst>
 </file>
 
-<file path=ppt/tags/tag25.xml><?xml version="1.0" encoding="utf-8"?>
+<file path=ppt/tags/tag26.xml><?xml version="1.0" encoding="utf-8"?>
 <p:tagLst xmlns:p="http://schemas.openxmlformats.org/presentationml/2006/main">
   <p:tag name="KSO_WM_UNIT_HIGHLIGHT" val="0"/>
   <p:tag name="KSO_WM_UNIT_COMPATIBLE" val="0"/>
@@ -24915,13 +25571,13 @@
 </p:tagLst>
 </file>
 
-<file path=ppt/tags/tag250.xml><?xml version="1.0" encoding="utf-8"?>
+<file path=ppt/tags/tag260.xml><?xml version="1.0" encoding="utf-8"?>
 <p:tagLst xmlns:p="http://schemas.openxmlformats.org/presentationml/2006/main">
   <p:tag name="KSO_WEBWPP_OBJECT_TOKEN" val="PLAY_INK_1698927937302"/>
 </p:tagLst>
 </file>
 
-<file path=ppt/tags/tag251.xml><?xml version="1.0" encoding="utf-8"?>
+<file path=ppt/tags/tag261.xml><?xml version="1.0" encoding="utf-8"?>
 <p:tagLst xmlns:p="http://schemas.openxmlformats.org/presentationml/2006/main">
   <p:tag name="KSO_WM_UNIT_ISCONTENTSTITLE" val="0"/>
   <p:tag name="KSO_WM_UNIT_NOCLEAR" val="0"/>
@@ -24942,7 +25598,7 @@
 </p:tagLst>
 </file>
 
-<file path=ppt/tags/tag252.xml><?xml version="1.0" encoding="utf-8"?>
+<file path=ppt/tags/tag262.xml><?xml version="1.0" encoding="utf-8"?>
 <p:tagLst xmlns:p="http://schemas.openxmlformats.org/presentationml/2006/main">
   <p:tag name="KSO_WM_UNIT_ISCONTENTSTITLE" val="0"/>
   <p:tag name="KSO_WM_UNIT_NOCLEAR" val="1"/>
@@ -24963,7 +25619,7 @@
 </p:tagLst>
 </file>
 
-<file path=ppt/tags/tag253.xml><?xml version="1.0" encoding="utf-8"?>
+<file path=ppt/tags/tag263.xml><?xml version="1.0" encoding="utf-8"?>
 <p:tagLst xmlns:p="http://schemas.openxmlformats.org/presentationml/2006/main">
   <p:tag name="KSO_WM_SLIDE_ID" val="custom20204613_33"/>
   <p:tag name="KSO_WM_TEMPLATE_SUBCATEGORY" val="0"/>
@@ -24982,22 +25638,9 @@
 </p:tagLst>
 </file>
 
-<file path=ppt/tags/tag254.xml><?xml version="1.0" encoding="utf-8"?>
+<file path=ppt/tags/tag264.xml><?xml version="1.0" encoding="utf-8"?>
 <p:tagLst xmlns:p="http://schemas.openxmlformats.org/presentationml/2006/main">
-  <p:tag name="commondata" val="eyJoZGlkIjoiOGI4NjI5OTBmMDM1ODFlMDkzNDFlZTFiMWNhZWU5ZTMifQ=="/>
-</p:tagLst>
-</file>
-
-<file path=ppt/tags/tag26.xml><?xml version="1.0" encoding="utf-8"?>
-<p:tagLst xmlns:p="http://schemas.openxmlformats.org/presentationml/2006/main">
-  <p:tag name="KSO_WM_UNIT_HIGHLIGHT" val="0"/>
-  <p:tag name="KSO_WM_UNIT_COMPATIBLE" val="0"/>
-  <p:tag name="KSO_WM_UNIT_DIAGRAM_ISNUMVISUAL" val="0"/>
-  <p:tag name="KSO_WM_UNIT_DIAGRAM_ISREFERUNIT" val="0"/>
-  <p:tag name="KSO_WM_UNIT_ID" val="_4**"/>
-  <p:tag name="KSO_WM_UNIT_LAYERLEVEL" val="1"/>
-  <p:tag name="KSO_WM_TAG_VERSION" val="1.0"/>
-  <p:tag name="KSO_WM_BEAUTIFY_FLAG" val="#wm#"/>
+  <p:tag name="commondata" val="eyJoZGlkIjoiOWEzODQ3N2VmNzJjOTYwMjU2ZGRkY2JkYTQ2ZjY1OTcifQ=="/>
 </p:tagLst>
 </file>
 
